--- a/NCN Presntation.pptx
+++ b/NCN Presntation.pptx
@@ -5,7 +5,7 @@
     <p:sldMasterId id="2147483673" r:id="rId1"/>
   </p:sldMasterIdLst>
   <p:notesMasterIdLst>
-    <p:notesMasterId r:id="rId14"/>
+    <p:notesMasterId r:id="rId16"/>
   </p:notesMasterIdLst>
   <p:sldIdLst>
     <p:sldId id="256" r:id="rId2"/>
@@ -20,15 +20,12 @@
     <p:sldId id="310" r:id="rId11"/>
     <p:sldId id="311" r:id="rId12"/>
     <p:sldId id="312" r:id="rId13"/>
+    <p:sldId id="313" r:id="rId14"/>
+    <p:sldId id="314" r:id="rId15"/>
   </p:sldIdLst>
   <p:sldSz cx="9144000" cy="5143500" type="screen16x9"/>
   <p:notesSz cx="6858000" cy="9144000"/>
   <p:embeddedFontLst>
-    <p:embeddedFont>
-      <p:font typeface="David" panose="020E0502060401010101" pitchFamily="34" charset="-79"/>
-      <p:regular r:id="rId15"/>
-      <p:bold r:id="rId16"/>
-    </p:embeddedFont>
     <p:embeddedFont>
       <p:font typeface="Exo 2" panose="020B0604020202020204" charset="0"/>
       <p:regular r:id="rId17"/>
@@ -1155,6 +1152,224 @@
     <p:extLst>
       <p:ext uri="{BB962C8B-B14F-4D97-AF65-F5344CB8AC3E}">
         <p14:creationId xmlns:p14="http://schemas.microsoft.com/office/powerpoint/2010/main" val="243342044"/>
+      </p:ext>
+    </p:extLst>
+  </p:cSld>
+  <p:clrMapOvr>
+    <a:masterClrMapping/>
+  </p:clrMapOvr>
+</p:notes>
+</file>
+
+<file path=ppt/notesSlides/notesSlide13.xml><?xml version="1.0" encoding="utf-8"?>
+<p:notes xmlns:a="http://schemas.openxmlformats.org/drawingml/2006/main" xmlns:r="http://schemas.openxmlformats.org/officeDocument/2006/relationships" xmlns:p="http://schemas.openxmlformats.org/presentationml/2006/main" showMasterSp="0" showMasterPhAnim="0">
+  <p:cSld>
+    <p:spTree>
+      <p:nvGrpSpPr>
+        <p:cNvPr id="1" name="Shape 171"/>
+        <p:cNvGrpSpPr/>
+        <p:nvPr/>
+      </p:nvGrpSpPr>
+      <p:grpSpPr>
+        <a:xfrm>
+          <a:off x="0" y="0"/>
+          <a:ext cx="0" cy="0"/>
+          <a:chOff x="0" y="0"/>
+          <a:chExt cx="0" cy="0"/>
+        </a:xfrm>
+      </p:grpSpPr>
+      <p:sp>
+        <p:nvSpPr>
+          <p:cNvPr id="172" name="Google Shape;172;g58d3b44f08_0_0:notes"/>
+          <p:cNvSpPr>
+            <a:spLocks noGrp="1" noRot="1" noChangeAspect="1"/>
+          </p:cNvSpPr>
+          <p:nvPr>
+            <p:ph type="sldImg" idx="2"/>
+          </p:nvPr>
+        </p:nvSpPr>
+        <p:spPr>
+          <a:xfrm>
+            <a:off x="381000" y="685800"/>
+            <a:ext cx="6096000" cy="3429000"/>
+          </a:xfrm>
+          <a:custGeom>
+            <a:avLst/>
+            <a:gdLst/>
+            <a:ahLst/>
+            <a:cxnLst/>
+            <a:rect l="l" t="t" r="r" b="b"/>
+            <a:pathLst>
+              <a:path w="120000" h="120000" extrusionOk="0">
+                <a:moveTo>
+                  <a:pt x="0" y="0"/>
+                </a:moveTo>
+                <a:lnTo>
+                  <a:pt x="120000" y="0"/>
+                </a:lnTo>
+                <a:lnTo>
+                  <a:pt x="120000" y="120000"/>
+                </a:lnTo>
+                <a:lnTo>
+                  <a:pt x="0" y="120000"/>
+                </a:lnTo>
+                <a:close/>
+              </a:path>
+            </a:pathLst>
+          </a:custGeom>
+        </p:spPr>
+      </p:sp>
+      <p:sp>
+        <p:nvSpPr>
+          <p:cNvPr id="173" name="Google Shape;173;g58d3b44f08_0_0:notes"/>
+          <p:cNvSpPr txBox="1">
+            <a:spLocks noGrp="1"/>
+          </p:cNvSpPr>
+          <p:nvPr>
+            <p:ph type="body" idx="1"/>
+          </p:nvPr>
+        </p:nvSpPr>
+        <p:spPr>
+          <a:xfrm>
+            <a:off x="685800" y="4343400"/>
+            <a:ext cx="5486400" cy="4114800"/>
+          </a:xfrm>
+          <a:prstGeom prst="rect">
+            <a:avLst/>
+          </a:prstGeom>
+        </p:spPr>
+        <p:txBody>
+          <a:bodyPr spcFirstLastPara="1" wrap="square" lIns="91425" tIns="91425" rIns="91425" bIns="91425" anchor="t" anchorCtr="0">
+            <a:noAutofit/>
+          </a:bodyPr>
+          <a:lstStyle/>
+          <a:p>
+            <a:pPr marL="0" lvl="0" indent="0" algn="l" rtl="0">
+              <a:spcBef>
+                <a:spcPts val="0"/>
+              </a:spcBef>
+              <a:spcAft>
+                <a:spcPts val="0"/>
+              </a:spcAft>
+              <a:buNone/>
+            </a:pPr>
+            <a:endParaRPr/>
+          </a:p>
+        </p:txBody>
+      </p:sp>
+    </p:spTree>
+    <p:extLst>
+      <p:ext uri="{BB962C8B-B14F-4D97-AF65-F5344CB8AC3E}">
+        <p14:creationId xmlns:p14="http://schemas.microsoft.com/office/powerpoint/2010/main" val="2114124292"/>
+      </p:ext>
+    </p:extLst>
+  </p:cSld>
+  <p:clrMapOvr>
+    <a:masterClrMapping/>
+  </p:clrMapOvr>
+</p:notes>
+</file>
+
+<file path=ppt/notesSlides/notesSlide14.xml><?xml version="1.0" encoding="utf-8"?>
+<p:notes xmlns:a="http://schemas.openxmlformats.org/drawingml/2006/main" xmlns:r="http://schemas.openxmlformats.org/officeDocument/2006/relationships" xmlns:p="http://schemas.openxmlformats.org/presentationml/2006/main" showMasterSp="0" showMasterPhAnim="0">
+  <p:cSld>
+    <p:spTree>
+      <p:nvGrpSpPr>
+        <p:cNvPr id="1" name="Shape 171"/>
+        <p:cNvGrpSpPr/>
+        <p:nvPr/>
+      </p:nvGrpSpPr>
+      <p:grpSpPr>
+        <a:xfrm>
+          <a:off x="0" y="0"/>
+          <a:ext cx="0" cy="0"/>
+          <a:chOff x="0" y="0"/>
+          <a:chExt cx="0" cy="0"/>
+        </a:xfrm>
+      </p:grpSpPr>
+      <p:sp>
+        <p:nvSpPr>
+          <p:cNvPr id="172" name="Google Shape;172;g58d3b44f08_0_0:notes"/>
+          <p:cNvSpPr>
+            <a:spLocks noGrp="1" noRot="1" noChangeAspect="1"/>
+          </p:cNvSpPr>
+          <p:nvPr>
+            <p:ph type="sldImg" idx="2"/>
+          </p:nvPr>
+        </p:nvSpPr>
+        <p:spPr>
+          <a:xfrm>
+            <a:off x="381000" y="685800"/>
+            <a:ext cx="6096000" cy="3429000"/>
+          </a:xfrm>
+          <a:custGeom>
+            <a:avLst/>
+            <a:gdLst/>
+            <a:ahLst/>
+            <a:cxnLst/>
+            <a:rect l="l" t="t" r="r" b="b"/>
+            <a:pathLst>
+              <a:path w="120000" h="120000" extrusionOk="0">
+                <a:moveTo>
+                  <a:pt x="0" y="0"/>
+                </a:moveTo>
+                <a:lnTo>
+                  <a:pt x="120000" y="0"/>
+                </a:lnTo>
+                <a:lnTo>
+                  <a:pt x="120000" y="120000"/>
+                </a:lnTo>
+                <a:lnTo>
+                  <a:pt x="0" y="120000"/>
+                </a:lnTo>
+                <a:close/>
+              </a:path>
+            </a:pathLst>
+          </a:custGeom>
+        </p:spPr>
+      </p:sp>
+      <p:sp>
+        <p:nvSpPr>
+          <p:cNvPr id="173" name="Google Shape;173;g58d3b44f08_0_0:notes"/>
+          <p:cNvSpPr txBox="1">
+            <a:spLocks noGrp="1"/>
+          </p:cNvSpPr>
+          <p:nvPr>
+            <p:ph type="body" idx="1"/>
+          </p:nvPr>
+        </p:nvSpPr>
+        <p:spPr>
+          <a:xfrm>
+            <a:off x="685800" y="4343400"/>
+            <a:ext cx="5486400" cy="4114800"/>
+          </a:xfrm>
+          <a:prstGeom prst="rect">
+            <a:avLst/>
+          </a:prstGeom>
+        </p:spPr>
+        <p:txBody>
+          <a:bodyPr spcFirstLastPara="1" wrap="square" lIns="91425" tIns="91425" rIns="91425" bIns="91425" anchor="t" anchorCtr="0">
+            <a:noAutofit/>
+          </a:bodyPr>
+          <a:lstStyle/>
+          <a:p>
+            <a:pPr marL="0" lvl="0" indent="0" algn="l" rtl="0">
+              <a:spcBef>
+                <a:spcPts val="0"/>
+              </a:spcBef>
+              <a:spcAft>
+                <a:spcPts val="0"/>
+              </a:spcAft>
+              <a:buNone/>
+            </a:pPr>
+            <a:endParaRPr/>
+          </a:p>
+        </p:txBody>
+      </p:sp>
+    </p:spTree>
+    <p:extLst>
+      <p:ext uri="{BB962C8B-B14F-4D97-AF65-F5344CB8AC3E}">
+        <p14:creationId xmlns:p14="http://schemas.microsoft.com/office/powerpoint/2010/main" val="279533177"/>
       </p:ext>
     </p:extLst>
   </p:cSld>
@@ -4654,41 +4869,17 @@
                   <a:schemeClr val="accent2"/>
                 </a:solidFill>
                 <a:effectLst/>
-                <a:latin typeface="+mn-lt"/>
+                <a:latin typeface="Exo 2" panose="020B0604020202020204" charset="0"/>
                 <a:ea typeface="Calibri" panose="020F0502020204030204" pitchFamily="34" charset="0"/>
                 <a:cs typeface="Times New Roman" panose="02020603050405020304" pitchFamily="18" charset="0"/>
               </a:rPr>
-              <a:t>Once the user logs in, he is redirected to the landing page. There the user can make a search request (HTML GET request) with the desired company name. The request is being sent to the search API route with the user's input. The route activates a python script with the search term as an input. The python script is responsible for scraping the web and it's output is an array containing several articles from different cyber sites. The python process creates three classes, each class represents a cyber news website. Each class makes a search query in each website with the user input term, and keeps the source page of the search results. "</a:t>
-            </a:r>
-            <a:r>
-              <a:rPr lang="en-US" sz="1050" b="0" dirty="0" err="1">
-                <a:solidFill>
-                  <a:schemeClr val="accent2"/>
-                </a:solidFill>
-                <a:effectLst/>
-                <a:latin typeface="+mn-lt"/>
-                <a:ea typeface="Calibri" panose="020F0502020204030204" pitchFamily="34" charset="0"/>
-                <a:cs typeface="Times New Roman" panose="02020603050405020304" pitchFamily="18" charset="0"/>
-              </a:rPr>
-              <a:t>BeautifulSoup</a:t>
-            </a:r>
-            <a:r>
-              <a:rPr lang="en-US" sz="1050" b="0" dirty="0">
-                <a:solidFill>
-                  <a:schemeClr val="accent2"/>
-                </a:solidFill>
-                <a:effectLst/>
-                <a:latin typeface="+mn-lt"/>
-                <a:ea typeface="Calibri" panose="020F0502020204030204" pitchFamily="34" charset="0"/>
-                <a:cs typeface="Times New Roman" panose="02020603050405020304" pitchFamily="18" charset="0"/>
-              </a:rPr>
-              <a:t>" library then scraps the source code and extracts the latest articles from each website. Each class returns the articles to the process script, which creates a JSON format containing all of the returned articles. The search API returns a response to the landing page with the JSON articles and then shows them to the user.</a:t>
+              <a:t>Once the user logs in, he is redirected to the landing page. There the user can make a search request (HTML GET request) with the desired company name. The request is being sent to the search API route with the user's input. The route activates a python script with the search term as an input. The python script is responsible for scraping the web and it's output is an array containing several articles from different cyber sites. The python process creates three classes, each class represents a cyber news website. Each class makes a search query in each website with the user input term, and keeps the source page of the search results. "BeautifulSoup" library then scraps the source code and extracts the latest articles from each website. Each class returns the articles to the process script, which creates a JSON format containing all of the returned articles. The search API returns a response to the landing page with the JSON articles and then shows them to the user.</a:t>
             </a:r>
             <a:endParaRPr lang="en-US" sz="1050" b="0" dirty="0">
               <a:solidFill>
                 <a:schemeClr val="accent2"/>
               </a:solidFill>
-              <a:latin typeface="+mn-lt"/>
+              <a:latin typeface="Exo 2" panose="020B0604020202020204" charset="0"/>
               <a:cs typeface="Times New Roman" panose="02020603050405020304" pitchFamily="18" charset="0"/>
             </a:endParaRPr>
           </a:p>
@@ -5106,7 +5297,7 @@
                   <a:schemeClr val="accent2"/>
                 </a:solidFill>
                 <a:effectLst/>
-                <a:latin typeface="+mn-lt"/>
+                <a:latin typeface="Exo 2" panose="020B0604020202020204" charset="0"/>
                 <a:ea typeface="Calibri" panose="020F0502020204030204" pitchFamily="34" charset="0"/>
               </a:rPr>
               <a:t>Each one of the scraping classes is created with factory design pattern. The creating function gets an ENUM that indicates which class to create. Then, it creates the appropriate class with the website URL, scraper parameters and method. Every class have a method that responsible to collect the articles, on each class this method uses a different strategy (strategy design pattern) to collect the articles, depending on the website.</a:t>
@@ -5115,7 +5306,7 @@
               <a:solidFill>
                 <a:schemeClr val="accent2"/>
               </a:solidFill>
-              <a:latin typeface="+mn-lt"/>
+              <a:latin typeface="Exo 2" panose="020B0604020202020204" charset="0"/>
               <a:cs typeface="Times New Roman" panose="02020603050405020304" pitchFamily="18" charset="0"/>
             </a:endParaRPr>
           </a:p>
@@ -5536,7 +5727,7 @@
                   <a:schemeClr val="accent2"/>
                 </a:solidFill>
                 <a:effectLst/>
-                <a:latin typeface="+mn-lt"/>
+                <a:latin typeface="Exo 2" panose="020B0604020202020204" charset="0"/>
                 <a:ea typeface="Calibri" panose="020F0502020204030204" pitchFamily="34" charset="0"/>
                 <a:cs typeface="Times New Roman" panose="02020603050405020304" pitchFamily="18" charset="0"/>
               </a:rPr>
@@ -5547,7 +5738,7 @@
                 <a:schemeClr val="accent2"/>
               </a:solidFill>
               <a:effectLst/>
-              <a:latin typeface="+mn-lt"/>
+              <a:latin typeface="Exo 2" panose="020B0604020202020204" charset="0"/>
               <a:ea typeface="Calibri" panose="020F0502020204030204" pitchFamily="34" charset="0"/>
               <a:cs typeface="David" panose="020E0502060401010101" pitchFamily="34" charset="-79"/>
             </a:endParaRPr>
@@ -5570,7 +5761,7 @@
                   <a:schemeClr val="accent2"/>
                 </a:solidFill>
                 <a:effectLst/>
-                <a:latin typeface="+mn-lt"/>
+                <a:latin typeface="Exo 2" panose="020B0604020202020204" charset="0"/>
                 <a:ea typeface="Calibri" panose="020F0502020204030204" pitchFamily="34" charset="0"/>
                 <a:cs typeface="Times New Roman" panose="02020603050405020304" pitchFamily="18" charset="0"/>
               </a:rPr>
@@ -5581,7 +5772,7 @@
                 <a:schemeClr val="accent2"/>
               </a:solidFill>
               <a:effectLst/>
-              <a:latin typeface="+mn-lt"/>
+              <a:latin typeface="Exo 2" panose="020B0604020202020204" charset="0"/>
               <a:ea typeface="Calibri" panose="020F0502020204030204" pitchFamily="34" charset="0"/>
               <a:cs typeface="David" panose="020E0502060401010101" pitchFamily="34" charset="-79"/>
             </a:endParaRPr>
@@ -5604,7 +5795,7 @@
                   <a:schemeClr val="accent2"/>
                 </a:solidFill>
                 <a:effectLst/>
-                <a:latin typeface="+mn-lt"/>
+                <a:latin typeface="Exo 2" panose="020B0604020202020204" charset="0"/>
                 <a:ea typeface="Calibri" panose="020F0502020204030204" pitchFamily="34" charset="0"/>
                 <a:cs typeface="Times New Roman" panose="02020603050405020304" pitchFamily="18" charset="0"/>
               </a:rPr>
@@ -5615,7 +5806,7 @@
                 <a:schemeClr val="accent2"/>
               </a:solidFill>
               <a:effectLst/>
-              <a:latin typeface="+mn-lt"/>
+              <a:latin typeface="Exo 2" panose="020B0604020202020204" charset="0"/>
               <a:ea typeface="Calibri" panose="020F0502020204030204" pitchFamily="34" charset="0"/>
               <a:cs typeface="David" panose="020E0502060401010101" pitchFamily="34" charset="-79"/>
             </a:endParaRPr>
@@ -5638,7 +5829,7 @@
                   <a:schemeClr val="accent2"/>
                 </a:solidFill>
                 <a:effectLst/>
-                <a:latin typeface="+mn-lt"/>
+                <a:latin typeface="Exo 2" panose="020B0604020202020204" charset="0"/>
                 <a:ea typeface="Calibri" panose="020F0502020204030204" pitchFamily="34" charset="0"/>
                 <a:cs typeface="Times New Roman" panose="02020603050405020304" pitchFamily="18" charset="0"/>
               </a:rPr>
@@ -5649,7 +5840,7 @@
                 <a:schemeClr val="accent2"/>
               </a:solidFill>
               <a:effectLst/>
-              <a:latin typeface="+mn-lt"/>
+              <a:latin typeface="Exo 2" panose="020B0604020202020204" charset="0"/>
               <a:ea typeface="Calibri" panose="020F0502020204030204" pitchFamily="34" charset="0"/>
               <a:cs typeface="David" panose="020E0502060401010101" pitchFamily="34" charset="-79"/>
             </a:endParaRPr>
@@ -5672,7 +5863,7 @@
                   <a:schemeClr val="accent2"/>
                 </a:solidFill>
                 <a:effectLst/>
-                <a:latin typeface="+mn-lt"/>
+                <a:latin typeface="Exo 2" panose="020B0604020202020204" charset="0"/>
                 <a:ea typeface="Calibri" panose="020F0502020204030204" pitchFamily="34" charset="0"/>
                 <a:cs typeface="Times New Roman" panose="02020603050405020304" pitchFamily="18" charset="0"/>
               </a:rPr>
@@ -5683,7 +5874,7 @@
                 <a:schemeClr val="accent2"/>
               </a:solidFill>
               <a:effectLst/>
-              <a:latin typeface="+mn-lt"/>
+              <a:latin typeface="Exo 2" panose="020B0604020202020204" charset="0"/>
               <a:ea typeface="Calibri" panose="020F0502020204030204" pitchFamily="34" charset="0"/>
               <a:cs typeface="David" panose="020E0502060401010101" pitchFamily="34" charset="-79"/>
             </a:endParaRPr>
@@ -5706,7 +5897,7 @@
                   <a:schemeClr val="accent2"/>
                 </a:solidFill>
                 <a:effectLst/>
-                <a:latin typeface="+mn-lt"/>
+                <a:latin typeface="Exo 2" panose="020B0604020202020204" charset="0"/>
                 <a:ea typeface="Calibri" panose="020F0502020204030204" pitchFamily="34" charset="0"/>
                 <a:cs typeface="Times New Roman" panose="02020603050405020304" pitchFamily="18" charset="0"/>
               </a:rPr>
@@ -5717,7 +5908,7 @@
                 <a:schemeClr val="accent2"/>
               </a:solidFill>
               <a:effectLst/>
-              <a:latin typeface="+mn-lt"/>
+              <a:latin typeface="Exo 2" panose="020B0604020202020204" charset="0"/>
               <a:ea typeface="Calibri" panose="020F0502020204030204" pitchFamily="34" charset="0"/>
               <a:cs typeface="David" panose="020E0502060401010101" pitchFamily="34" charset="-79"/>
             </a:endParaRPr>
@@ -5740,7 +5931,7 @@
                   <a:schemeClr val="accent2"/>
                 </a:solidFill>
                 <a:effectLst/>
-                <a:latin typeface="+mn-lt"/>
+                <a:latin typeface="Exo 2" panose="020B0604020202020204" charset="0"/>
                 <a:ea typeface="Calibri" panose="020F0502020204030204" pitchFamily="34" charset="0"/>
                 <a:cs typeface="Times New Roman" panose="02020603050405020304" pitchFamily="18" charset="0"/>
               </a:rPr>
@@ -5751,7 +5942,7 @@
                 <a:schemeClr val="accent2"/>
               </a:solidFill>
               <a:effectLst/>
-              <a:latin typeface="+mn-lt"/>
+              <a:latin typeface="Exo 2" panose="020B0604020202020204" charset="0"/>
               <a:ea typeface="Calibri" panose="020F0502020204030204" pitchFamily="34" charset="0"/>
               <a:cs typeface="David" panose="020E0502060401010101" pitchFamily="34" charset="-79"/>
             </a:endParaRPr>
@@ -5774,7 +5965,7 @@
                   <a:schemeClr val="accent2"/>
                 </a:solidFill>
                 <a:effectLst/>
-                <a:latin typeface="+mn-lt"/>
+                <a:latin typeface="Exo 2" panose="020B0604020202020204" charset="0"/>
                 <a:ea typeface="Calibri" panose="020F0502020204030204" pitchFamily="34" charset="0"/>
                 <a:cs typeface="Times New Roman" panose="02020603050405020304" pitchFamily="18" charset="0"/>
               </a:rPr>
@@ -5785,7 +5976,7 @@
                 <a:schemeClr val="accent2"/>
               </a:solidFill>
               <a:effectLst/>
-              <a:latin typeface="+mn-lt"/>
+              <a:latin typeface="Exo 2" panose="020B0604020202020204" charset="0"/>
               <a:ea typeface="Calibri" panose="020F0502020204030204" pitchFamily="34" charset="0"/>
               <a:cs typeface="David" panose="020E0502060401010101" pitchFamily="34" charset="-79"/>
             </a:endParaRPr>
@@ -5808,7 +5999,7 @@
                   <a:schemeClr val="accent2"/>
                 </a:solidFill>
                 <a:effectLst/>
-                <a:latin typeface="+mn-lt"/>
+                <a:latin typeface="Exo 2" panose="020B0604020202020204" charset="0"/>
                 <a:ea typeface="Calibri" panose="020F0502020204030204" pitchFamily="34" charset="0"/>
                 <a:cs typeface="Times New Roman" panose="02020603050405020304" pitchFamily="18" charset="0"/>
               </a:rPr>
@@ -5819,7 +6010,7 @@
                 <a:schemeClr val="accent2"/>
               </a:solidFill>
               <a:effectLst/>
-              <a:latin typeface="+mn-lt"/>
+              <a:latin typeface="Exo 2" panose="020B0604020202020204" charset="0"/>
               <a:ea typeface="Calibri" panose="020F0502020204030204" pitchFamily="34" charset="0"/>
               <a:cs typeface="David" panose="020E0502060401010101" pitchFamily="34" charset="-79"/>
             </a:endParaRPr>
@@ -5842,7 +6033,7 @@
                   <a:schemeClr val="accent2"/>
                 </a:solidFill>
                 <a:effectLst/>
-                <a:latin typeface="+mn-lt"/>
+                <a:latin typeface="Exo 2" panose="020B0604020202020204" charset="0"/>
                 <a:ea typeface="Calibri" panose="020F0502020204030204" pitchFamily="34" charset="0"/>
                 <a:cs typeface="Times New Roman" panose="02020603050405020304" pitchFamily="18" charset="0"/>
               </a:rPr>
@@ -5853,7 +6044,7 @@
                 <a:schemeClr val="accent2"/>
               </a:solidFill>
               <a:effectLst/>
-              <a:latin typeface="+mn-lt"/>
+              <a:latin typeface="Exo 2" panose="020B0604020202020204" charset="0"/>
               <a:ea typeface="Calibri" panose="020F0502020204030204" pitchFamily="34" charset="0"/>
               <a:cs typeface="David" panose="020E0502060401010101" pitchFamily="34" charset="-79"/>
             </a:endParaRPr>
@@ -5876,7 +6067,7 @@
                   <a:schemeClr val="accent2"/>
                 </a:solidFill>
                 <a:effectLst/>
-                <a:latin typeface="+mn-lt"/>
+                <a:latin typeface="Exo 2" panose="020B0604020202020204" charset="0"/>
                 <a:ea typeface="Calibri" panose="020F0502020204030204" pitchFamily="34" charset="0"/>
                 <a:cs typeface="Times New Roman" panose="02020603050405020304" pitchFamily="18" charset="0"/>
               </a:rPr>
@@ -5887,7 +6078,7 @@
                 <a:schemeClr val="accent2"/>
               </a:solidFill>
               <a:effectLst/>
-              <a:latin typeface="+mn-lt"/>
+              <a:latin typeface="Exo 2" panose="020B0604020202020204" charset="0"/>
               <a:ea typeface="Calibri" panose="020F0502020204030204" pitchFamily="34" charset="0"/>
               <a:cs typeface="David" panose="020E0502060401010101" pitchFamily="34" charset="-79"/>
             </a:endParaRPr>
@@ -5898,6 +6089,1135 @@
     <p:extLst>
       <p:ext uri="{BB962C8B-B14F-4D97-AF65-F5344CB8AC3E}">
         <p14:creationId xmlns:p14="http://schemas.microsoft.com/office/powerpoint/2010/main" val="1443960817"/>
+      </p:ext>
+    </p:extLst>
+  </p:cSld>
+  <p:clrMapOvr>
+    <a:masterClrMapping/>
+  </p:clrMapOvr>
+</p:sld>
+</file>
+
+<file path=ppt/slides/slide13.xml><?xml version="1.0" encoding="utf-8"?>
+<p:sld xmlns:a="http://schemas.openxmlformats.org/drawingml/2006/main" xmlns:r="http://schemas.openxmlformats.org/officeDocument/2006/relationships" xmlns:p="http://schemas.openxmlformats.org/presentationml/2006/main">
+  <p:cSld>
+    <p:spTree>
+      <p:nvGrpSpPr>
+        <p:cNvPr id="1" name="Shape 174"/>
+        <p:cNvGrpSpPr/>
+        <p:nvPr/>
+      </p:nvGrpSpPr>
+      <p:grpSpPr>
+        <a:xfrm>
+          <a:off x="0" y="0"/>
+          <a:ext cx="0" cy="0"/>
+          <a:chOff x="0" y="0"/>
+          <a:chExt cx="0" cy="0"/>
+        </a:xfrm>
+      </p:grpSpPr>
+      <p:sp>
+        <p:nvSpPr>
+          <p:cNvPr id="175" name="Google Shape;175;p31"/>
+          <p:cNvSpPr txBox="1">
+            <a:spLocks noGrp="1"/>
+          </p:cNvSpPr>
+          <p:nvPr>
+            <p:ph type="ctrTitle"/>
+          </p:nvPr>
+        </p:nvSpPr>
+        <p:spPr>
+          <a:xfrm flipH="1">
+            <a:off x="201078" y="47366"/>
+            <a:ext cx="7477191" cy="813246"/>
+          </a:xfrm>
+          <a:prstGeom prst="rect">
+            <a:avLst/>
+          </a:prstGeom>
+        </p:spPr>
+        <p:txBody>
+          <a:bodyPr spcFirstLastPara="1" wrap="square" lIns="91425" tIns="91425" rIns="91425" bIns="91425" anchor="ctr" anchorCtr="0">
+            <a:noAutofit/>
+          </a:bodyPr>
+          <a:lstStyle/>
+          <a:p>
+            <a:pPr marL="0" lvl="0" indent="0" algn="l" rtl="0">
+              <a:spcBef>
+                <a:spcPts val="0"/>
+              </a:spcBef>
+              <a:spcAft>
+                <a:spcPts val="0"/>
+              </a:spcAft>
+              <a:buNone/>
+            </a:pPr>
+            <a:r>
+              <a:rPr lang="en-US" sz="4800" dirty="0">
+                <a:solidFill>
+                  <a:schemeClr val="accent2"/>
+                </a:solidFill>
+              </a:rPr>
+              <a:t>CONCLUSIONS</a:t>
+            </a:r>
+            <a:endParaRPr sz="4800" dirty="0">
+              <a:solidFill>
+                <a:schemeClr val="accent2"/>
+              </a:solidFill>
+            </a:endParaRPr>
+          </a:p>
+        </p:txBody>
+      </p:sp>
+      <p:sp>
+        <p:nvSpPr>
+          <p:cNvPr id="7" name="Google Shape;175;p31">
+            <a:extLst>
+              <a:ext uri="{FF2B5EF4-FFF2-40B4-BE49-F238E27FC236}">
+                <a16:creationId xmlns:a16="http://schemas.microsoft.com/office/drawing/2014/main" id="{6738AEAE-F43B-4AFA-87C6-5C956F0465BB}"/>
+              </a:ext>
+            </a:extLst>
+          </p:cNvPr>
+          <p:cNvSpPr txBox="1">
+            <a:spLocks/>
+          </p:cNvSpPr>
+          <p:nvPr/>
+        </p:nvSpPr>
+        <p:spPr>
+          <a:xfrm flipH="1">
+            <a:off x="201078" y="759759"/>
+            <a:ext cx="3517034" cy="4276165"/>
+          </a:xfrm>
+          <a:prstGeom prst="rect">
+            <a:avLst/>
+          </a:prstGeom>
+          <a:noFill/>
+          <a:ln>
+            <a:noFill/>
+          </a:ln>
+        </p:spPr>
+        <p:txBody>
+          <a:bodyPr spcFirstLastPara="1" wrap="square" lIns="91425" tIns="91425" rIns="91425" bIns="91425" anchor="ctr" anchorCtr="0">
+            <a:noAutofit/>
+          </a:bodyPr>
+          <a:lstStyle>
+            <a:defPPr marR="0" lvl="0" algn="l" rtl="0">
+              <a:lnSpc>
+                <a:spcPct val="100000"/>
+              </a:lnSpc>
+              <a:spcBef>
+                <a:spcPts val="0"/>
+              </a:spcBef>
+              <a:spcAft>
+                <a:spcPts val="0"/>
+              </a:spcAft>
+            </a:defPPr>
+            <a:lvl1pPr marR="0" lvl="0" algn="l" rtl="0">
+              <a:lnSpc>
+                <a:spcPct val="100000"/>
+              </a:lnSpc>
+              <a:spcBef>
+                <a:spcPts val="0"/>
+              </a:spcBef>
+              <a:spcAft>
+                <a:spcPts val="0"/>
+              </a:spcAft>
+              <a:buClr>
+                <a:srgbClr val="000000"/>
+              </a:buClr>
+              <a:buSzPts val="3600"/>
+              <a:buFont typeface="Exo 2"/>
+              <a:buNone/>
+              <a:defRPr sz="3600" b="1" i="0" u="none" strike="noStrike" cap="none">
+                <a:solidFill>
+                  <a:schemeClr val="dk1"/>
+                </a:solidFill>
+                <a:latin typeface="Exo 2"/>
+                <a:ea typeface="Exo 2"/>
+                <a:cs typeface="Exo 2"/>
+                <a:sym typeface="Exo 2"/>
+              </a:defRPr>
+            </a:lvl1pPr>
+            <a:lvl2pPr marR="0" lvl="1" algn="l" rtl="0">
+              <a:lnSpc>
+                <a:spcPct val="100000"/>
+              </a:lnSpc>
+              <a:spcBef>
+                <a:spcPts val="0"/>
+              </a:spcBef>
+              <a:spcAft>
+                <a:spcPts val="0"/>
+              </a:spcAft>
+              <a:buClr>
+                <a:srgbClr val="FFFFFF"/>
+              </a:buClr>
+              <a:buSzPts val="6500"/>
+              <a:buFont typeface="Squada One"/>
+              <a:buNone/>
+              <a:defRPr sz="6500" b="0" i="0" u="none" strike="noStrike" cap="none">
+                <a:solidFill>
+                  <a:srgbClr val="FFFFFF"/>
+                </a:solidFill>
+                <a:latin typeface="Squada One"/>
+                <a:ea typeface="Squada One"/>
+                <a:cs typeface="Squada One"/>
+                <a:sym typeface="Squada One"/>
+              </a:defRPr>
+            </a:lvl2pPr>
+            <a:lvl3pPr marR="0" lvl="2" algn="l" rtl="0">
+              <a:lnSpc>
+                <a:spcPct val="100000"/>
+              </a:lnSpc>
+              <a:spcBef>
+                <a:spcPts val="0"/>
+              </a:spcBef>
+              <a:spcAft>
+                <a:spcPts val="0"/>
+              </a:spcAft>
+              <a:buClr>
+                <a:srgbClr val="FFFFFF"/>
+              </a:buClr>
+              <a:buSzPts val="6500"/>
+              <a:buFont typeface="Squada One"/>
+              <a:buNone/>
+              <a:defRPr sz="6500" b="0" i="0" u="none" strike="noStrike" cap="none">
+                <a:solidFill>
+                  <a:srgbClr val="FFFFFF"/>
+                </a:solidFill>
+                <a:latin typeface="Squada One"/>
+                <a:ea typeface="Squada One"/>
+                <a:cs typeface="Squada One"/>
+                <a:sym typeface="Squada One"/>
+              </a:defRPr>
+            </a:lvl3pPr>
+            <a:lvl4pPr marR="0" lvl="3" algn="l" rtl="0">
+              <a:lnSpc>
+                <a:spcPct val="100000"/>
+              </a:lnSpc>
+              <a:spcBef>
+                <a:spcPts val="0"/>
+              </a:spcBef>
+              <a:spcAft>
+                <a:spcPts val="0"/>
+              </a:spcAft>
+              <a:buClr>
+                <a:srgbClr val="FFFFFF"/>
+              </a:buClr>
+              <a:buSzPts val="6500"/>
+              <a:buFont typeface="Squada One"/>
+              <a:buNone/>
+              <a:defRPr sz="6500" b="0" i="0" u="none" strike="noStrike" cap="none">
+                <a:solidFill>
+                  <a:srgbClr val="FFFFFF"/>
+                </a:solidFill>
+                <a:latin typeface="Squada One"/>
+                <a:ea typeface="Squada One"/>
+                <a:cs typeface="Squada One"/>
+                <a:sym typeface="Squada One"/>
+              </a:defRPr>
+            </a:lvl4pPr>
+            <a:lvl5pPr marR="0" lvl="4" algn="l" rtl="0">
+              <a:lnSpc>
+                <a:spcPct val="100000"/>
+              </a:lnSpc>
+              <a:spcBef>
+                <a:spcPts val="0"/>
+              </a:spcBef>
+              <a:spcAft>
+                <a:spcPts val="0"/>
+              </a:spcAft>
+              <a:buClr>
+                <a:srgbClr val="FFFFFF"/>
+              </a:buClr>
+              <a:buSzPts val="6500"/>
+              <a:buFont typeface="Squada One"/>
+              <a:buNone/>
+              <a:defRPr sz="6500" b="0" i="0" u="none" strike="noStrike" cap="none">
+                <a:solidFill>
+                  <a:srgbClr val="FFFFFF"/>
+                </a:solidFill>
+                <a:latin typeface="Squada One"/>
+                <a:ea typeface="Squada One"/>
+                <a:cs typeface="Squada One"/>
+                <a:sym typeface="Squada One"/>
+              </a:defRPr>
+            </a:lvl5pPr>
+            <a:lvl6pPr marR="0" lvl="5" algn="l" rtl="0">
+              <a:lnSpc>
+                <a:spcPct val="100000"/>
+              </a:lnSpc>
+              <a:spcBef>
+                <a:spcPts val="0"/>
+              </a:spcBef>
+              <a:spcAft>
+                <a:spcPts val="0"/>
+              </a:spcAft>
+              <a:buClr>
+                <a:srgbClr val="FFFFFF"/>
+              </a:buClr>
+              <a:buSzPts val="6500"/>
+              <a:buFont typeface="Squada One"/>
+              <a:buNone/>
+              <a:defRPr sz="6500" b="0" i="0" u="none" strike="noStrike" cap="none">
+                <a:solidFill>
+                  <a:srgbClr val="FFFFFF"/>
+                </a:solidFill>
+                <a:latin typeface="Squada One"/>
+                <a:ea typeface="Squada One"/>
+                <a:cs typeface="Squada One"/>
+                <a:sym typeface="Squada One"/>
+              </a:defRPr>
+            </a:lvl6pPr>
+            <a:lvl7pPr marR="0" lvl="6" algn="l" rtl="0">
+              <a:lnSpc>
+                <a:spcPct val="100000"/>
+              </a:lnSpc>
+              <a:spcBef>
+                <a:spcPts val="0"/>
+              </a:spcBef>
+              <a:spcAft>
+                <a:spcPts val="0"/>
+              </a:spcAft>
+              <a:buClr>
+                <a:srgbClr val="FFFFFF"/>
+              </a:buClr>
+              <a:buSzPts val="6500"/>
+              <a:buFont typeface="Squada One"/>
+              <a:buNone/>
+              <a:defRPr sz="6500" b="0" i="0" u="none" strike="noStrike" cap="none">
+                <a:solidFill>
+                  <a:srgbClr val="FFFFFF"/>
+                </a:solidFill>
+                <a:latin typeface="Squada One"/>
+                <a:ea typeface="Squada One"/>
+                <a:cs typeface="Squada One"/>
+                <a:sym typeface="Squada One"/>
+              </a:defRPr>
+            </a:lvl7pPr>
+            <a:lvl8pPr marR="0" lvl="7" algn="l" rtl="0">
+              <a:lnSpc>
+                <a:spcPct val="100000"/>
+              </a:lnSpc>
+              <a:spcBef>
+                <a:spcPts val="0"/>
+              </a:spcBef>
+              <a:spcAft>
+                <a:spcPts val="0"/>
+              </a:spcAft>
+              <a:buClr>
+                <a:srgbClr val="FFFFFF"/>
+              </a:buClr>
+              <a:buSzPts val="6500"/>
+              <a:buFont typeface="Squada One"/>
+              <a:buNone/>
+              <a:defRPr sz="6500" b="0" i="0" u="none" strike="noStrike" cap="none">
+                <a:solidFill>
+                  <a:srgbClr val="FFFFFF"/>
+                </a:solidFill>
+                <a:latin typeface="Squada One"/>
+                <a:ea typeface="Squada One"/>
+                <a:cs typeface="Squada One"/>
+                <a:sym typeface="Squada One"/>
+              </a:defRPr>
+            </a:lvl8pPr>
+            <a:lvl9pPr marR="0" lvl="8" algn="l" rtl="0">
+              <a:lnSpc>
+                <a:spcPct val="100000"/>
+              </a:lnSpc>
+              <a:spcBef>
+                <a:spcPts val="0"/>
+              </a:spcBef>
+              <a:spcAft>
+                <a:spcPts val="0"/>
+              </a:spcAft>
+              <a:buClr>
+                <a:srgbClr val="FFFFFF"/>
+              </a:buClr>
+              <a:buSzPts val="6500"/>
+              <a:buFont typeface="Squada One"/>
+              <a:buNone/>
+              <a:defRPr sz="6500" b="0" i="0" u="none" strike="noStrike" cap="none">
+                <a:solidFill>
+                  <a:srgbClr val="FFFFFF"/>
+                </a:solidFill>
+                <a:latin typeface="Squada One"/>
+                <a:ea typeface="Squada One"/>
+                <a:cs typeface="Squada One"/>
+                <a:sym typeface="Squada One"/>
+              </a:defRPr>
+            </a:lvl9pPr>
+          </a:lstStyle>
+          <a:p>
+            <a:pPr marR="0" algn="l" rtl="0">
+              <a:lnSpc>
+                <a:spcPct val="115000"/>
+              </a:lnSpc>
+              <a:spcBef>
+                <a:spcPts val="0"/>
+              </a:spcBef>
+              <a:spcAft>
+                <a:spcPts val="1000"/>
+              </a:spcAft>
+            </a:pPr>
+            <a:r>
+              <a:rPr lang="en-US" sz="1200" b="0" dirty="0">
+                <a:solidFill>
+                  <a:schemeClr val="accent2"/>
+                </a:solidFill>
+                <a:effectLst/>
+                <a:latin typeface="Exo 2" panose="020B0604020202020204" charset="0"/>
+                <a:ea typeface="Calibri" panose="020F0502020204030204" pitchFamily="34" charset="0"/>
+                <a:cs typeface="Times New Roman" panose="02020603050405020304" pitchFamily="18" charset="0"/>
+              </a:rPr>
+              <a:t>The end product of the project mostly did meet our expectations; therefore, we consider the project as a success.</a:t>
+            </a:r>
+            <a:endParaRPr lang="en-US" sz="1200" b="0" dirty="0">
+              <a:solidFill>
+                <a:schemeClr val="accent2"/>
+              </a:solidFill>
+              <a:effectLst/>
+              <a:latin typeface="Exo 2" panose="020B0604020202020204" charset="0"/>
+              <a:ea typeface="Calibri" panose="020F0502020204030204" pitchFamily="34" charset="0"/>
+              <a:cs typeface="David" panose="020E0502060401010101" pitchFamily="34" charset="-79"/>
+            </a:endParaRPr>
+          </a:p>
+          <a:p>
+            <a:pPr marL="285750" marR="0" lvl="0" indent="-285750" algn="l" rtl="0">
+              <a:lnSpc>
+                <a:spcPct val="115000"/>
+              </a:lnSpc>
+              <a:spcBef>
+                <a:spcPts val="0"/>
+              </a:spcBef>
+              <a:spcAft>
+                <a:spcPts val="1000"/>
+              </a:spcAft>
+              <a:buSzPct val="150000"/>
+              <a:buFont typeface="Arial" panose="020B0604020202020204" pitchFamily="34" charset="0"/>
+              <a:buChar char="•"/>
+            </a:pPr>
+            <a:r>
+              <a:rPr lang="en-US" sz="1200" b="0" dirty="0">
+                <a:solidFill>
+                  <a:schemeClr val="accent2"/>
+                </a:solidFill>
+                <a:effectLst/>
+                <a:latin typeface="Exo 2" panose="020B0604020202020204" charset="0"/>
+                <a:ea typeface="Calibri" panose="020F0502020204030204" pitchFamily="34" charset="0"/>
+                <a:cs typeface="Times New Roman" panose="02020603050405020304" pitchFamily="18" charset="0"/>
+              </a:rPr>
+              <a:t>Fully implemented user registration and authentication features, with database that stores the users' credentials. </a:t>
+            </a:r>
+            <a:endParaRPr lang="en-US" sz="1200" b="0" dirty="0">
+              <a:solidFill>
+                <a:schemeClr val="accent2"/>
+              </a:solidFill>
+              <a:effectLst/>
+              <a:latin typeface="Exo 2" panose="020B0604020202020204" charset="0"/>
+              <a:ea typeface="Calibri" panose="020F0502020204030204" pitchFamily="34" charset="0"/>
+              <a:cs typeface="David" panose="020E0502060401010101" pitchFamily="34" charset="-79"/>
+            </a:endParaRPr>
+          </a:p>
+          <a:p>
+            <a:pPr marL="285750" marR="0" lvl="0" indent="-285750" algn="l" rtl="0">
+              <a:lnSpc>
+                <a:spcPct val="115000"/>
+              </a:lnSpc>
+              <a:spcBef>
+                <a:spcPts val="0"/>
+              </a:spcBef>
+              <a:spcAft>
+                <a:spcPts val="1000"/>
+              </a:spcAft>
+              <a:buSzPct val="150000"/>
+              <a:buFont typeface="Arial" panose="020B0604020202020204" pitchFamily="34" charset="0"/>
+              <a:buChar char="•"/>
+            </a:pPr>
+            <a:r>
+              <a:rPr lang="en-US" sz="1200" b="0" dirty="0">
+                <a:solidFill>
+                  <a:schemeClr val="accent2"/>
+                </a:solidFill>
+                <a:effectLst/>
+                <a:latin typeface="Exo 2" panose="020B0604020202020204" charset="0"/>
+                <a:ea typeface="Calibri" panose="020F0502020204030204" pitchFamily="34" charset="0"/>
+                <a:cs typeface="Times New Roman" panose="02020603050405020304" pitchFamily="18" charset="0"/>
+              </a:rPr>
+              <a:t>Fast search engine that shows the latest and most relevant results.</a:t>
+            </a:r>
+            <a:endParaRPr lang="en-US" sz="1200" b="0" dirty="0">
+              <a:solidFill>
+                <a:schemeClr val="accent2"/>
+              </a:solidFill>
+              <a:effectLst/>
+              <a:latin typeface="Exo 2" panose="020B0604020202020204" charset="0"/>
+              <a:ea typeface="Calibri" panose="020F0502020204030204" pitchFamily="34" charset="0"/>
+              <a:cs typeface="David" panose="020E0502060401010101" pitchFamily="34" charset="-79"/>
+            </a:endParaRPr>
+          </a:p>
+          <a:p>
+            <a:pPr marL="285750" marR="0" lvl="0" indent="-285750" algn="l" rtl="0">
+              <a:lnSpc>
+                <a:spcPct val="115000"/>
+              </a:lnSpc>
+              <a:spcBef>
+                <a:spcPts val="0"/>
+              </a:spcBef>
+              <a:spcAft>
+                <a:spcPts val="1000"/>
+              </a:spcAft>
+              <a:buSzPct val="150000"/>
+              <a:buFont typeface="Arial" panose="020B0604020202020204" pitchFamily="34" charset="0"/>
+              <a:buChar char="•"/>
+            </a:pPr>
+            <a:r>
+              <a:rPr lang="en-US" sz="1200" b="0" dirty="0">
+                <a:solidFill>
+                  <a:schemeClr val="accent2"/>
+                </a:solidFill>
+                <a:effectLst/>
+                <a:latin typeface="Exo 2" panose="020B0604020202020204" charset="0"/>
+                <a:ea typeface="Calibri" panose="020F0502020204030204" pitchFamily="34" charset="0"/>
+                <a:cs typeface="Times New Roman" panose="02020603050405020304" pitchFamily="18" charset="0"/>
+              </a:rPr>
+              <a:t>Modern design to the website.</a:t>
+            </a:r>
+            <a:endParaRPr lang="en-US" sz="1200" b="0" dirty="0">
+              <a:solidFill>
+                <a:schemeClr val="accent2"/>
+              </a:solidFill>
+              <a:effectLst/>
+              <a:latin typeface="Exo 2" panose="020B0604020202020204" charset="0"/>
+              <a:ea typeface="Calibri" panose="020F0502020204030204" pitchFamily="34" charset="0"/>
+              <a:cs typeface="David" panose="020E0502060401010101" pitchFamily="34" charset="-79"/>
+            </a:endParaRPr>
+          </a:p>
+          <a:p>
+            <a:pPr marL="285750" marR="0" lvl="0" indent="-285750" algn="l" rtl="0">
+              <a:lnSpc>
+                <a:spcPct val="115000"/>
+              </a:lnSpc>
+              <a:spcBef>
+                <a:spcPts val="0"/>
+              </a:spcBef>
+              <a:spcAft>
+                <a:spcPts val="1000"/>
+              </a:spcAft>
+              <a:buSzPct val="150000"/>
+              <a:buFont typeface="Arial" panose="020B0604020202020204" pitchFamily="34" charset="0"/>
+              <a:buChar char="•"/>
+            </a:pPr>
+            <a:r>
+              <a:rPr lang="en-US" sz="1200" b="0" dirty="0">
+                <a:solidFill>
+                  <a:schemeClr val="accent2"/>
+                </a:solidFill>
+                <a:effectLst/>
+                <a:latin typeface="Exo 2" panose="020B0604020202020204" charset="0"/>
+                <a:ea typeface="Calibri" panose="020F0502020204030204" pitchFamily="34" charset="0"/>
+                <a:cs typeface="Times New Roman" panose="02020603050405020304" pitchFamily="18" charset="0"/>
+              </a:rPr>
+              <a:t>Fully implemented error handling and error presentation to the user.</a:t>
+            </a:r>
+            <a:endParaRPr lang="en-US" sz="1200" b="0" dirty="0">
+              <a:solidFill>
+                <a:schemeClr val="accent2"/>
+              </a:solidFill>
+              <a:effectLst/>
+              <a:latin typeface="Exo 2" panose="020B0604020202020204" charset="0"/>
+              <a:ea typeface="Calibri" panose="020F0502020204030204" pitchFamily="34" charset="0"/>
+              <a:cs typeface="David" panose="020E0502060401010101" pitchFamily="34" charset="-79"/>
+            </a:endParaRPr>
+          </a:p>
+          <a:p>
+            <a:pPr marL="285750" marR="0" lvl="0" indent="-285750" algn="l" rtl="0">
+              <a:lnSpc>
+                <a:spcPct val="115000"/>
+              </a:lnSpc>
+              <a:spcBef>
+                <a:spcPts val="0"/>
+              </a:spcBef>
+              <a:spcAft>
+                <a:spcPts val="1000"/>
+              </a:spcAft>
+              <a:buSzPct val="150000"/>
+              <a:buFont typeface="Arial" panose="020B0604020202020204" pitchFamily="34" charset="0"/>
+              <a:buChar char="•"/>
+            </a:pPr>
+            <a:r>
+              <a:rPr lang="en-US" sz="1200" b="0" dirty="0">
+                <a:solidFill>
+                  <a:schemeClr val="accent2"/>
+                </a:solidFill>
+                <a:effectLst/>
+                <a:latin typeface="Exo 2" panose="020B0604020202020204" charset="0"/>
+                <a:ea typeface="Calibri" panose="020F0502020204030204" pitchFamily="34" charset="0"/>
+                <a:cs typeface="Times New Roman" panose="02020603050405020304" pitchFamily="18" charset="0"/>
+              </a:rPr>
+              <a:t>Complete separation between client and server.</a:t>
+            </a:r>
+            <a:endParaRPr lang="en-US" sz="1200" b="0" dirty="0">
+              <a:solidFill>
+                <a:schemeClr val="accent2"/>
+              </a:solidFill>
+              <a:effectLst/>
+              <a:latin typeface="Exo 2" panose="020B0604020202020204" charset="0"/>
+              <a:ea typeface="Calibri" panose="020F0502020204030204" pitchFamily="34" charset="0"/>
+              <a:cs typeface="David" panose="020E0502060401010101" pitchFamily="34" charset="-79"/>
+            </a:endParaRPr>
+          </a:p>
+          <a:p>
+            <a:pPr marR="0" lvl="0" algn="l" rtl="0">
+              <a:lnSpc>
+                <a:spcPct val="115000"/>
+              </a:lnSpc>
+              <a:spcBef>
+                <a:spcPts val="0"/>
+              </a:spcBef>
+              <a:spcAft>
+                <a:spcPts val="1000"/>
+              </a:spcAft>
+            </a:pPr>
+            <a:endParaRPr lang="en-US" sz="1000" b="0" dirty="0">
+              <a:solidFill>
+                <a:schemeClr val="accent2"/>
+              </a:solidFill>
+              <a:effectLst/>
+              <a:latin typeface="Exo 2" panose="020B0604020202020204" charset="0"/>
+              <a:ea typeface="Calibri" panose="020F0502020204030204" pitchFamily="34" charset="0"/>
+              <a:cs typeface="David" panose="020E0502060401010101" pitchFamily="34" charset="-79"/>
+            </a:endParaRPr>
+          </a:p>
+        </p:txBody>
+      </p:sp>
+      <p:pic>
+        <p:nvPicPr>
+          <p:cNvPr id="4" name="Picture 3">
+            <a:extLst>
+              <a:ext uri="{FF2B5EF4-FFF2-40B4-BE49-F238E27FC236}">
+                <a16:creationId xmlns:a16="http://schemas.microsoft.com/office/drawing/2014/main" id="{7AD86527-B3C6-4CED-8ABA-1C52A52D51E5}"/>
+              </a:ext>
+            </a:extLst>
+          </p:cNvPr>
+          <p:cNvPicPr/>
+          <p:nvPr/>
+        </p:nvPicPr>
+        <p:blipFill>
+          <a:blip r:embed="rId3" cstate="print">
+            <a:extLst>
+              <a:ext uri="{28A0092B-C50C-407E-A947-70E740481C1C}">
+                <a14:useLocalDpi xmlns:a14="http://schemas.microsoft.com/office/drawing/2010/main" val="0"/>
+              </a:ext>
+            </a:extLst>
+          </a:blip>
+          <a:stretch>
+            <a:fillRect/>
+          </a:stretch>
+        </p:blipFill>
+        <p:spPr>
+          <a:xfrm>
+            <a:off x="3718112" y="998441"/>
+            <a:ext cx="5338482" cy="2356599"/>
+          </a:xfrm>
+          <a:prstGeom prst="rect">
+            <a:avLst/>
+          </a:prstGeom>
+        </p:spPr>
+      </p:pic>
+    </p:spTree>
+    <p:extLst>
+      <p:ext uri="{BB962C8B-B14F-4D97-AF65-F5344CB8AC3E}">
+        <p14:creationId xmlns:p14="http://schemas.microsoft.com/office/powerpoint/2010/main" val="3408362603"/>
+      </p:ext>
+    </p:extLst>
+  </p:cSld>
+  <p:clrMapOvr>
+    <a:masterClrMapping/>
+  </p:clrMapOvr>
+</p:sld>
+</file>
+
+<file path=ppt/slides/slide14.xml><?xml version="1.0" encoding="utf-8"?>
+<p:sld xmlns:a="http://schemas.openxmlformats.org/drawingml/2006/main" xmlns:r="http://schemas.openxmlformats.org/officeDocument/2006/relationships" xmlns:p="http://schemas.openxmlformats.org/presentationml/2006/main">
+  <p:cSld>
+    <p:spTree>
+      <p:nvGrpSpPr>
+        <p:cNvPr id="1" name="Shape 174"/>
+        <p:cNvGrpSpPr/>
+        <p:nvPr/>
+      </p:nvGrpSpPr>
+      <p:grpSpPr>
+        <a:xfrm>
+          <a:off x="0" y="0"/>
+          <a:ext cx="0" cy="0"/>
+          <a:chOff x="0" y="0"/>
+          <a:chExt cx="0" cy="0"/>
+        </a:xfrm>
+      </p:grpSpPr>
+      <p:sp>
+        <p:nvSpPr>
+          <p:cNvPr id="175" name="Google Shape;175;p31"/>
+          <p:cNvSpPr txBox="1">
+            <a:spLocks noGrp="1"/>
+          </p:cNvSpPr>
+          <p:nvPr>
+            <p:ph type="ctrTitle"/>
+          </p:nvPr>
+        </p:nvSpPr>
+        <p:spPr>
+          <a:xfrm flipH="1">
+            <a:off x="201077" y="47366"/>
+            <a:ext cx="8041969" cy="1088910"/>
+          </a:xfrm>
+          <a:prstGeom prst="rect">
+            <a:avLst/>
+          </a:prstGeom>
+        </p:spPr>
+        <p:txBody>
+          <a:bodyPr spcFirstLastPara="1" wrap="square" lIns="91425" tIns="91425" rIns="91425" bIns="91425" anchor="ctr" anchorCtr="0">
+            <a:noAutofit/>
+          </a:bodyPr>
+          <a:lstStyle/>
+          <a:p>
+            <a:pPr marL="0" lvl="0" indent="0" algn="l" rtl="0">
+              <a:spcBef>
+                <a:spcPts val="0"/>
+              </a:spcBef>
+              <a:spcAft>
+                <a:spcPts val="0"/>
+              </a:spcAft>
+              <a:buNone/>
+            </a:pPr>
+            <a:r>
+              <a:rPr lang="en-US" sz="4800" dirty="0">
+                <a:solidFill>
+                  <a:schemeClr val="accent2"/>
+                </a:solidFill>
+              </a:rPr>
+              <a:t>IDEAS FOR IMPROVEMENTS</a:t>
+            </a:r>
+            <a:endParaRPr sz="4800" dirty="0">
+              <a:solidFill>
+                <a:schemeClr val="accent2"/>
+              </a:solidFill>
+            </a:endParaRPr>
+          </a:p>
+        </p:txBody>
+      </p:sp>
+      <p:sp>
+        <p:nvSpPr>
+          <p:cNvPr id="7" name="Google Shape;175;p31">
+            <a:extLst>
+              <a:ext uri="{FF2B5EF4-FFF2-40B4-BE49-F238E27FC236}">
+                <a16:creationId xmlns:a16="http://schemas.microsoft.com/office/drawing/2014/main" id="{6738AEAE-F43B-4AFA-87C6-5C956F0465BB}"/>
+              </a:ext>
+            </a:extLst>
+          </p:cNvPr>
+          <p:cNvSpPr txBox="1">
+            <a:spLocks/>
+          </p:cNvSpPr>
+          <p:nvPr/>
+        </p:nvSpPr>
+        <p:spPr>
+          <a:xfrm flipH="1">
+            <a:off x="201077" y="1136276"/>
+            <a:ext cx="8600022" cy="2991971"/>
+          </a:xfrm>
+          <a:prstGeom prst="rect">
+            <a:avLst/>
+          </a:prstGeom>
+          <a:noFill/>
+          <a:ln>
+            <a:noFill/>
+          </a:ln>
+        </p:spPr>
+        <p:txBody>
+          <a:bodyPr spcFirstLastPara="1" wrap="square" lIns="91425" tIns="91425" rIns="91425" bIns="91425" anchor="ctr" anchorCtr="0">
+            <a:noAutofit/>
+          </a:bodyPr>
+          <a:lstStyle>
+            <a:defPPr marR="0" lvl="0" algn="l" rtl="0">
+              <a:lnSpc>
+                <a:spcPct val="100000"/>
+              </a:lnSpc>
+              <a:spcBef>
+                <a:spcPts val="0"/>
+              </a:spcBef>
+              <a:spcAft>
+                <a:spcPts val="0"/>
+              </a:spcAft>
+            </a:defPPr>
+            <a:lvl1pPr marR="0" lvl="0" algn="l" rtl="0">
+              <a:lnSpc>
+                <a:spcPct val="100000"/>
+              </a:lnSpc>
+              <a:spcBef>
+                <a:spcPts val="0"/>
+              </a:spcBef>
+              <a:spcAft>
+                <a:spcPts val="0"/>
+              </a:spcAft>
+              <a:buClr>
+                <a:srgbClr val="000000"/>
+              </a:buClr>
+              <a:buSzPts val="3600"/>
+              <a:buFont typeface="Exo 2"/>
+              <a:buNone/>
+              <a:defRPr sz="3600" b="1" i="0" u="none" strike="noStrike" cap="none">
+                <a:solidFill>
+                  <a:schemeClr val="dk1"/>
+                </a:solidFill>
+                <a:latin typeface="Exo 2"/>
+                <a:ea typeface="Exo 2"/>
+                <a:cs typeface="Exo 2"/>
+                <a:sym typeface="Exo 2"/>
+              </a:defRPr>
+            </a:lvl1pPr>
+            <a:lvl2pPr marR="0" lvl="1" algn="l" rtl="0">
+              <a:lnSpc>
+                <a:spcPct val="100000"/>
+              </a:lnSpc>
+              <a:spcBef>
+                <a:spcPts val="0"/>
+              </a:spcBef>
+              <a:spcAft>
+                <a:spcPts val="0"/>
+              </a:spcAft>
+              <a:buClr>
+                <a:srgbClr val="FFFFFF"/>
+              </a:buClr>
+              <a:buSzPts val="6500"/>
+              <a:buFont typeface="Squada One"/>
+              <a:buNone/>
+              <a:defRPr sz="6500" b="0" i="0" u="none" strike="noStrike" cap="none">
+                <a:solidFill>
+                  <a:srgbClr val="FFFFFF"/>
+                </a:solidFill>
+                <a:latin typeface="Squada One"/>
+                <a:ea typeface="Squada One"/>
+                <a:cs typeface="Squada One"/>
+                <a:sym typeface="Squada One"/>
+              </a:defRPr>
+            </a:lvl2pPr>
+            <a:lvl3pPr marR="0" lvl="2" algn="l" rtl="0">
+              <a:lnSpc>
+                <a:spcPct val="100000"/>
+              </a:lnSpc>
+              <a:spcBef>
+                <a:spcPts val="0"/>
+              </a:spcBef>
+              <a:spcAft>
+                <a:spcPts val="0"/>
+              </a:spcAft>
+              <a:buClr>
+                <a:srgbClr val="FFFFFF"/>
+              </a:buClr>
+              <a:buSzPts val="6500"/>
+              <a:buFont typeface="Squada One"/>
+              <a:buNone/>
+              <a:defRPr sz="6500" b="0" i="0" u="none" strike="noStrike" cap="none">
+                <a:solidFill>
+                  <a:srgbClr val="FFFFFF"/>
+                </a:solidFill>
+                <a:latin typeface="Squada One"/>
+                <a:ea typeface="Squada One"/>
+                <a:cs typeface="Squada One"/>
+                <a:sym typeface="Squada One"/>
+              </a:defRPr>
+            </a:lvl3pPr>
+            <a:lvl4pPr marR="0" lvl="3" algn="l" rtl="0">
+              <a:lnSpc>
+                <a:spcPct val="100000"/>
+              </a:lnSpc>
+              <a:spcBef>
+                <a:spcPts val="0"/>
+              </a:spcBef>
+              <a:spcAft>
+                <a:spcPts val="0"/>
+              </a:spcAft>
+              <a:buClr>
+                <a:srgbClr val="FFFFFF"/>
+              </a:buClr>
+              <a:buSzPts val="6500"/>
+              <a:buFont typeface="Squada One"/>
+              <a:buNone/>
+              <a:defRPr sz="6500" b="0" i="0" u="none" strike="noStrike" cap="none">
+                <a:solidFill>
+                  <a:srgbClr val="FFFFFF"/>
+                </a:solidFill>
+                <a:latin typeface="Squada One"/>
+                <a:ea typeface="Squada One"/>
+                <a:cs typeface="Squada One"/>
+                <a:sym typeface="Squada One"/>
+              </a:defRPr>
+            </a:lvl4pPr>
+            <a:lvl5pPr marR="0" lvl="4" algn="l" rtl="0">
+              <a:lnSpc>
+                <a:spcPct val="100000"/>
+              </a:lnSpc>
+              <a:spcBef>
+                <a:spcPts val="0"/>
+              </a:spcBef>
+              <a:spcAft>
+                <a:spcPts val="0"/>
+              </a:spcAft>
+              <a:buClr>
+                <a:srgbClr val="FFFFFF"/>
+              </a:buClr>
+              <a:buSzPts val="6500"/>
+              <a:buFont typeface="Squada One"/>
+              <a:buNone/>
+              <a:defRPr sz="6500" b="0" i="0" u="none" strike="noStrike" cap="none">
+                <a:solidFill>
+                  <a:srgbClr val="FFFFFF"/>
+                </a:solidFill>
+                <a:latin typeface="Squada One"/>
+                <a:ea typeface="Squada One"/>
+                <a:cs typeface="Squada One"/>
+                <a:sym typeface="Squada One"/>
+              </a:defRPr>
+            </a:lvl5pPr>
+            <a:lvl6pPr marR="0" lvl="5" algn="l" rtl="0">
+              <a:lnSpc>
+                <a:spcPct val="100000"/>
+              </a:lnSpc>
+              <a:spcBef>
+                <a:spcPts val="0"/>
+              </a:spcBef>
+              <a:spcAft>
+                <a:spcPts val="0"/>
+              </a:spcAft>
+              <a:buClr>
+                <a:srgbClr val="FFFFFF"/>
+              </a:buClr>
+              <a:buSzPts val="6500"/>
+              <a:buFont typeface="Squada One"/>
+              <a:buNone/>
+              <a:defRPr sz="6500" b="0" i="0" u="none" strike="noStrike" cap="none">
+                <a:solidFill>
+                  <a:srgbClr val="FFFFFF"/>
+                </a:solidFill>
+                <a:latin typeface="Squada One"/>
+                <a:ea typeface="Squada One"/>
+                <a:cs typeface="Squada One"/>
+                <a:sym typeface="Squada One"/>
+              </a:defRPr>
+            </a:lvl6pPr>
+            <a:lvl7pPr marR="0" lvl="6" algn="l" rtl="0">
+              <a:lnSpc>
+                <a:spcPct val="100000"/>
+              </a:lnSpc>
+              <a:spcBef>
+                <a:spcPts val="0"/>
+              </a:spcBef>
+              <a:spcAft>
+                <a:spcPts val="0"/>
+              </a:spcAft>
+              <a:buClr>
+                <a:srgbClr val="FFFFFF"/>
+              </a:buClr>
+              <a:buSzPts val="6500"/>
+              <a:buFont typeface="Squada One"/>
+              <a:buNone/>
+              <a:defRPr sz="6500" b="0" i="0" u="none" strike="noStrike" cap="none">
+                <a:solidFill>
+                  <a:srgbClr val="FFFFFF"/>
+                </a:solidFill>
+                <a:latin typeface="Squada One"/>
+                <a:ea typeface="Squada One"/>
+                <a:cs typeface="Squada One"/>
+                <a:sym typeface="Squada One"/>
+              </a:defRPr>
+            </a:lvl7pPr>
+            <a:lvl8pPr marR="0" lvl="7" algn="l" rtl="0">
+              <a:lnSpc>
+                <a:spcPct val="100000"/>
+              </a:lnSpc>
+              <a:spcBef>
+                <a:spcPts val="0"/>
+              </a:spcBef>
+              <a:spcAft>
+                <a:spcPts val="0"/>
+              </a:spcAft>
+              <a:buClr>
+                <a:srgbClr val="FFFFFF"/>
+              </a:buClr>
+              <a:buSzPts val="6500"/>
+              <a:buFont typeface="Squada One"/>
+              <a:buNone/>
+              <a:defRPr sz="6500" b="0" i="0" u="none" strike="noStrike" cap="none">
+                <a:solidFill>
+                  <a:srgbClr val="FFFFFF"/>
+                </a:solidFill>
+                <a:latin typeface="Squada One"/>
+                <a:ea typeface="Squada One"/>
+                <a:cs typeface="Squada One"/>
+                <a:sym typeface="Squada One"/>
+              </a:defRPr>
+            </a:lvl8pPr>
+            <a:lvl9pPr marR="0" lvl="8" algn="l" rtl="0">
+              <a:lnSpc>
+                <a:spcPct val="100000"/>
+              </a:lnSpc>
+              <a:spcBef>
+                <a:spcPts val="0"/>
+              </a:spcBef>
+              <a:spcAft>
+                <a:spcPts val="0"/>
+              </a:spcAft>
+              <a:buClr>
+                <a:srgbClr val="FFFFFF"/>
+              </a:buClr>
+              <a:buSzPts val="6500"/>
+              <a:buFont typeface="Squada One"/>
+              <a:buNone/>
+              <a:defRPr sz="6500" b="0" i="0" u="none" strike="noStrike" cap="none">
+                <a:solidFill>
+                  <a:srgbClr val="FFFFFF"/>
+                </a:solidFill>
+                <a:latin typeface="Squada One"/>
+                <a:ea typeface="Squada One"/>
+                <a:cs typeface="Squada One"/>
+                <a:sym typeface="Squada One"/>
+              </a:defRPr>
+            </a:lvl9pPr>
+          </a:lstStyle>
+          <a:p>
+            <a:pPr marL="285750" marR="0" lvl="0" indent="-285750" algn="l" rtl="0">
+              <a:lnSpc>
+                <a:spcPct val="115000"/>
+              </a:lnSpc>
+              <a:spcBef>
+                <a:spcPts val="0"/>
+              </a:spcBef>
+              <a:spcAft>
+                <a:spcPts val="1000"/>
+              </a:spcAft>
+              <a:buSzPct val="150000"/>
+              <a:buFont typeface="Arial" panose="020B0604020202020204" pitchFamily="34" charset="0"/>
+              <a:buChar char="•"/>
+            </a:pPr>
+            <a:r>
+              <a:rPr lang="en-US" sz="1800" b="0" dirty="0">
+                <a:solidFill>
+                  <a:schemeClr val="accent2"/>
+                </a:solidFill>
+                <a:effectLst/>
+                <a:latin typeface="Exo 2" panose="020B0604020202020204" charset="0"/>
+                <a:ea typeface="Calibri" panose="020F0502020204030204" pitchFamily="34" charset="0"/>
+                <a:cs typeface="Times New Roman" panose="02020603050405020304" pitchFamily="18" charset="0"/>
+              </a:rPr>
+              <a:t>An additional improvement possible for the application is to scrape a website or twitter page that displays the latest CVEs once a day and displaying them in the web in a new route. </a:t>
+            </a:r>
+            <a:endParaRPr lang="en-US" sz="1800" b="0" dirty="0">
+              <a:solidFill>
+                <a:schemeClr val="accent2"/>
+              </a:solidFill>
+              <a:effectLst/>
+              <a:latin typeface="Exo 2" panose="020B0604020202020204" charset="0"/>
+              <a:ea typeface="Calibri" panose="020F0502020204030204" pitchFamily="34" charset="0"/>
+              <a:cs typeface="David" panose="020E0502060401010101" pitchFamily="34" charset="-79"/>
+            </a:endParaRPr>
+          </a:p>
+          <a:p>
+            <a:pPr marL="285750" marR="0" lvl="0" indent="-285750" algn="l" rtl="0">
+              <a:lnSpc>
+                <a:spcPct val="115000"/>
+              </a:lnSpc>
+              <a:spcBef>
+                <a:spcPts val="0"/>
+              </a:spcBef>
+              <a:spcAft>
+                <a:spcPts val="1000"/>
+              </a:spcAft>
+              <a:buSzPct val="150000"/>
+              <a:buFont typeface="Arial" panose="020B0604020202020204" pitchFamily="34" charset="0"/>
+              <a:buChar char="•"/>
+            </a:pPr>
+            <a:r>
+              <a:rPr lang="en-US" sz="1800" b="0" dirty="0">
+                <a:solidFill>
+                  <a:schemeClr val="accent2"/>
+                </a:solidFill>
+                <a:effectLst/>
+                <a:latin typeface="Exo 2" panose="020B0604020202020204" charset="0"/>
+                <a:ea typeface="Calibri" panose="020F0502020204030204" pitchFamily="34" charset="0"/>
+                <a:cs typeface="Times New Roman" panose="02020603050405020304" pitchFamily="18" charset="0"/>
+              </a:rPr>
+              <a:t>Adding features that include machine learning to improve the search function.</a:t>
+            </a:r>
+            <a:endParaRPr lang="en-US" sz="1800" b="0" dirty="0">
+              <a:solidFill>
+                <a:schemeClr val="accent2"/>
+              </a:solidFill>
+              <a:effectLst/>
+              <a:latin typeface="Exo 2" panose="020B0604020202020204" charset="0"/>
+              <a:ea typeface="Calibri" panose="020F0502020204030204" pitchFamily="34" charset="0"/>
+              <a:cs typeface="David" panose="020E0502060401010101" pitchFamily="34" charset="-79"/>
+            </a:endParaRPr>
+          </a:p>
+          <a:p>
+            <a:pPr marL="285750" marR="0" lvl="0" indent="-285750" algn="l" rtl="0">
+              <a:lnSpc>
+                <a:spcPct val="115000"/>
+              </a:lnSpc>
+              <a:spcBef>
+                <a:spcPts val="0"/>
+              </a:spcBef>
+              <a:spcAft>
+                <a:spcPts val="1000"/>
+              </a:spcAft>
+              <a:buSzPct val="150000"/>
+              <a:buFont typeface="Arial" panose="020B0604020202020204" pitchFamily="34" charset="0"/>
+              <a:buChar char="•"/>
+            </a:pPr>
+            <a:r>
+              <a:rPr lang="en-US" sz="1800" b="0" dirty="0">
+                <a:solidFill>
+                  <a:schemeClr val="accent2"/>
+                </a:solidFill>
+                <a:effectLst/>
+                <a:latin typeface="Exo 2" panose="020B0604020202020204" charset="0"/>
+                <a:ea typeface="Calibri" panose="020F0502020204030204" pitchFamily="34" charset="0"/>
+                <a:cs typeface="Times New Roman" panose="02020603050405020304" pitchFamily="18" charset="0"/>
+              </a:rPr>
+              <a:t>Adding score to each result that indicates its credibility.</a:t>
+            </a:r>
+            <a:endParaRPr lang="en-US" sz="1800" b="0" dirty="0">
+              <a:solidFill>
+                <a:schemeClr val="accent2"/>
+              </a:solidFill>
+              <a:effectLst/>
+              <a:latin typeface="Exo 2" panose="020B0604020202020204" charset="0"/>
+              <a:ea typeface="Calibri" panose="020F0502020204030204" pitchFamily="34" charset="0"/>
+              <a:cs typeface="David" panose="020E0502060401010101" pitchFamily="34" charset="-79"/>
+            </a:endParaRPr>
+          </a:p>
+          <a:p>
+            <a:pPr marR="0" lvl="0" algn="l" rtl="0">
+              <a:lnSpc>
+                <a:spcPct val="115000"/>
+              </a:lnSpc>
+              <a:spcBef>
+                <a:spcPts val="0"/>
+              </a:spcBef>
+              <a:spcAft>
+                <a:spcPts val="1000"/>
+              </a:spcAft>
+              <a:buSzPct val="150000"/>
+            </a:pPr>
+            <a:endParaRPr lang="en-US" sz="1000" b="0" dirty="0">
+              <a:solidFill>
+                <a:schemeClr val="accent2"/>
+              </a:solidFill>
+              <a:effectLst/>
+              <a:latin typeface="Exo 2" panose="020B0604020202020204" charset="0"/>
+              <a:ea typeface="Calibri" panose="020F0502020204030204" pitchFamily="34" charset="0"/>
+              <a:cs typeface="David" panose="020E0502060401010101" pitchFamily="34" charset="-79"/>
+            </a:endParaRPr>
+          </a:p>
+        </p:txBody>
+      </p:sp>
+    </p:spTree>
+    <p:extLst>
+      <p:ext uri="{BB962C8B-B14F-4D97-AF65-F5344CB8AC3E}">
+        <p14:creationId xmlns:p14="http://schemas.microsoft.com/office/powerpoint/2010/main" val="1000138528"/>
       </p:ext>
     </p:extLst>
   </p:cSld>
@@ -6265,12 +7585,12 @@
               </a:spcAft>
             </a:pPr>
             <a:r>
-              <a:rPr lang="en-US" sz="1400" dirty="0">
+              <a:rPr lang="en-US" sz="1400" b="0" dirty="0">
                 <a:solidFill>
                   <a:schemeClr val="accent2"/>
                 </a:solidFill>
                 <a:effectLst/>
-                <a:latin typeface="David" panose="020E0502060401010101" pitchFamily="34" charset="-79"/>
+                <a:latin typeface="Exo 2" panose="020B0604020202020204" charset="0"/>
                 <a:ea typeface="Calibri" panose="020F0502020204030204" pitchFamily="34" charset="0"/>
                 <a:cs typeface="David" panose="020E0502060401010101" pitchFamily="34" charset="-79"/>
               </a:rPr>
@@ -6653,8 +7973,11 @@
             </a:pPr>
             <a:r>
               <a:rPr lang="en-US" sz="1400" b="0" dirty="0">
+                <a:solidFill>
+                  <a:schemeClr val="accent2"/>
+                </a:solidFill>
                 <a:effectLst/>
-                <a:latin typeface="+mn-lt"/>
+                <a:latin typeface="Exo 2" panose="020B0604020202020204" charset="0"/>
                 <a:ea typeface="Calibri" panose="020F0502020204030204" pitchFamily="34" charset="0"/>
                 <a:cs typeface="David" panose="020E0502060401010101" pitchFamily="34" charset="-79"/>
               </a:rPr>
@@ -6675,8 +7998,11 @@
             </a:pPr>
             <a:r>
               <a:rPr lang="en-US" sz="1400" b="0" dirty="0">
+                <a:solidFill>
+                  <a:schemeClr val="accent2"/>
+                </a:solidFill>
                 <a:effectLst/>
-                <a:latin typeface="+mn-lt"/>
+                <a:latin typeface="Exo 2" panose="020B0604020202020204" charset="0"/>
                 <a:ea typeface="Calibri" panose="020F0502020204030204" pitchFamily="34" charset="0"/>
                 <a:cs typeface="David" panose="020E0502060401010101" pitchFamily="34" charset="-79"/>
               </a:rPr>
@@ -6686,7 +8012,7 @@
               <a:solidFill>
                 <a:schemeClr val="accent2"/>
               </a:solidFill>
-              <a:latin typeface="+mn-lt"/>
+              <a:latin typeface="Exo 2" panose="020B0604020202020204" charset="0"/>
             </a:endParaRPr>
           </a:p>
         </p:txBody>
@@ -6758,15 +8084,17 @@
             <a:r>
               <a:rPr lang="en-US" sz="4800" dirty="0">
                 <a:solidFill>
-                  <a:schemeClr val="tx1"/>
-                </a:solidFill>
+                  <a:schemeClr val="accent2"/>
+                </a:solidFill>
+                <a:latin typeface="Exo 2" panose="020B0604020202020204" charset="0"/>
               </a:rPr>
               <a:t>PROJECT STRUCTURE</a:t>
             </a:r>
             <a:endParaRPr sz="4800" dirty="0">
               <a:solidFill>
-                <a:schemeClr val="tx1"/>
+                <a:schemeClr val="accent2"/>
               </a:solidFill>
+              <a:latin typeface="Exo 2" panose="020B0604020202020204" charset="0"/>
             </a:endParaRPr>
           </a:p>
         </p:txBody>
@@ -7065,7 +8393,7 @@
               <a:solidFill>
                 <a:schemeClr val="tx1"/>
               </a:solidFill>
-              <a:latin typeface="+mn-lt"/>
+              <a:latin typeface="Exo 2" panose="020B0604020202020204" charset="0"/>
             </a:endParaRPr>
           </a:p>
         </p:txBody>
@@ -7085,14 +8413,14 @@
           <p:nvPr>
             <p:extLst>
               <p:ext uri="{D42A27DB-BD31-4B8C-83A1-F6EECF244321}">
-                <p14:modId xmlns:p14="http://schemas.microsoft.com/office/powerpoint/2010/main" val="3969720389"/>
+                <p14:modId xmlns:p14="http://schemas.microsoft.com/office/powerpoint/2010/main" val="1948587684"/>
               </p:ext>
             </p:extLst>
           </p:nvPr>
         </p:nvGraphicFramePr>
         <p:xfrm>
-          <a:off x="552891" y="1348040"/>
-          <a:ext cx="7258494" cy="2990047"/>
+          <a:off x="573058" y="1216051"/>
+          <a:ext cx="7246406" cy="3762764"/>
         </p:xfrm>
         <a:graphic>
           <a:graphicData uri="http://schemas.openxmlformats.org/drawingml/2006/table">
@@ -7101,14 +8429,14 @@
                 <a:tableStyleId>{5C22544A-7EE6-4342-B048-85BDC9FD1C3A}</a:tableStyleId>
               </a:tblPr>
               <a:tblGrid>
-                <a:gridCol w="3629247">
+                <a:gridCol w="3623203">
                   <a:extLst>
                     <a:ext uri="{9D8B030D-6E8A-4147-A177-3AD203B41FA5}">
                       <a16:colId xmlns:a16="http://schemas.microsoft.com/office/drawing/2014/main" val="2552717273"/>
                     </a:ext>
                   </a:extLst>
                 </a:gridCol>
-                <a:gridCol w="3629247">
+                <a:gridCol w="3623203">
                   <a:extLst>
                     <a:ext uri="{9D8B030D-6E8A-4147-A177-3AD203B41FA5}">
                       <a16:colId xmlns:a16="http://schemas.microsoft.com/office/drawing/2014/main" val="3596138674"/>
@@ -7116,7 +8444,7 @@
                   </a:extLst>
                 </a:gridCol>
               </a:tblGrid>
-              <a:tr h="223926">
+              <a:tr h="221142">
                 <a:tc>
                   <a:txBody>
                     <a:bodyPr/>
@@ -7135,13 +8463,20 @@
                       </a:pPr>
                       <a:r>
                         <a:rPr lang="en-US" sz="1100" dirty="0">
+                          <a:solidFill>
+                            <a:schemeClr val="accent2"/>
+                          </a:solidFill>
                           <a:effectLst/>
+                          <a:latin typeface="Exo 2" panose="020B0604020202020204" charset="0"/>
                         </a:rPr>
                         <a:t>Usage</a:t>
                       </a:r>
                       <a:endParaRPr lang="en-US" sz="1100" dirty="0">
+                        <a:solidFill>
+                          <a:schemeClr val="accent2"/>
+                        </a:solidFill>
                         <a:effectLst/>
-                        <a:latin typeface="Times New Roman" panose="02020603050405020304" pitchFamily="18" charset="0"/>
+                        <a:latin typeface="Exo 2" panose="020B0604020202020204" charset="0"/>
                         <a:ea typeface="Calibri" panose="020F0502020204030204" pitchFamily="34" charset="0"/>
                         <a:cs typeface="David" panose="020E0502060401010101" pitchFamily="34" charset="-79"/>
                       </a:endParaRPr>
@@ -7167,13 +8502,33 @@
                       </a:pPr>
                       <a:r>
                         <a:rPr lang="en-US" sz="1100" dirty="0">
+                          <a:solidFill>
+                            <a:schemeClr val="accent2"/>
+                          </a:solidFill>
                           <a:effectLst/>
+                          <a:latin typeface="Exo 2" panose="020B0604020202020204" charset="0"/>
                         </a:rPr>
                         <a:t>Library/Package/Language</a:t>
                       </a:r>
+                    </a:p>
+                    <a:p>
+                      <a:pPr marL="0" marR="0" algn="l" rtl="1">
+                        <a:lnSpc>
+                          <a:spcPct val="150000"/>
+                        </a:lnSpc>
+                        <a:spcBef>
+                          <a:spcPts val="0"/>
+                        </a:spcBef>
+                        <a:spcAft>
+                          <a:spcPts val="0"/>
+                        </a:spcAft>
+                      </a:pPr>
                       <a:endParaRPr lang="en-US" sz="1100" dirty="0">
+                        <a:solidFill>
+                          <a:schemeClr val="accent2"/>
+                        </a:solidFill>
                         <a:effectLst/>
-                        <a:latin typeface="Times New Roman" panose="02020603050405020304" pitchFamily="18" charset="0"/>
+                        <a:latin typeface="Exo 2" panose="020B0604020202020204" charset="0"/>
                         <a:ea typeface="Calibri" panose="020F0502020204030204" pitchFamily="34" charset="0"/>
                         <a:cs typeface="David" panose="020E0502060401010101" pitchFamily="34" charset="-79"/>
                       </a:endParaRPr>
@@ -7187,7 +8542,7 @@
                   </a:ext>
                 </a:extLst>
               </a:tr>
-              <a:tr h="478518">
+              <a:tr h="472569">
                 <a:tc>
                   <a:txBody>
                     <a:bodyPr/>
@@ -7205,14 +8560,21 @@
                         </a:spcAft>
                       </a:pPr>
                       <a:r>
-                        <a:rPr lang="en-US" sz="1100">
+                        <a:rPr lang="en-US" sz="1100" dirty="0">
+                          <a:solidFill>
+                            <a:schemeClr val="accent2"/>
+                          </a:solidFill>
                           <a:effectLst/>
+                          <a:latin typeface="Exo 2" panose="020B0604020202020204" charset="0"/>
                         </a:rPr>
                         <a:t>Framework used to write, review and edit our code.</a:t>
                       </a:r>
-                      <a:endParaRPr lang="en-US" sz="1100">
+                      <a:endParaRPr lang="en-US" sz="1100" dirty="0">
+                        <a:solidFill>
+                          <a:schemeClr val="accent2"/>
+                        </a:solidFill>
                         <a:effectLst/>
-                        <a:latin typeface="Times New Roman" panose="02020603050405020304" pitchFamily="18" charset="0"/>
+                        <a:latin typeface="Exo 2" panose="020B0604020202020204" charset="0"/>
                         <a:ea typeface="Calibri" panose="020F0502020204030204" pitchFamily="34" charset="0"/>
                         <a:cs typeface="David" panose="020E0502060401010101" pitchFamily="34" charset="-79"/>
                       </a:endParaRPr>
@@ -7238,13 +8600,20 @@
                       </a:pPr>
                       <a:r>
                         <a:rPr lang="en-US" sz="1100" dirty="0">
+                          <a:solidFill>
+                            <a:schemeClr val="accent2"/>
+                          </a:solidFill>
                           <a:effectLst/>
+                          <a:latin typeface="Exo 2" panose="020B0604020202020204" charset="0"/>
                         </a:rPr>
                         <a:t>Visual Studio Code</a:t>
                       </a:r>
                       <a:endParaRPr lang="en-US" sz="1100" dirty="0">
+                        <a:solidFill>
+                          <a:schemeClr val="accent2"/>
+                        </a:solidFill>
                         <a:effectLst/>
-                        <a:latin typeface="Times New Roman" panose="02020603050405020304" pitchFamily="18" charset="0"/>
+                        <a:latin typeface="Exo 2" panose="020B0604020202020204" charset="0"/>
                         <a:ea typeface="Calibri" panose="020F0502020204030204" pitchFamily="34" charset="0"/>
                         <a:cs typeface="David" panose="020E0502060401010101" pitchFamily="34" charset="-79"/>
                       </a:endParaRPr>
@@ -7258,7 +8627,7 @@
                   </a:ext>
                 </a:extLst>
               </a:tr>
-              <a:tr h="478518">
+              <a:tr h="472569">
                 <a:tc>
                   <a:txBody>
                     <a:bodyPr/>
@@ -7276,14 +8645,21 @@
                         </a:spcAft>
                       </a:pPr>
                       <a:r>
-                        <a:rPr lang="en-US" sz="1100">
+                        <a:rPr lang="en-US" sz="1100" dirty="0">
+                          <a:solidFill>
+                            <a:schemeClr val="accent2"/>
+                          </a:solidFill>
                           <a:effectLst/>
+                          <a:latin typeface="Exo 2" panose="020B0604020202020204" charset="0"/>
                         </a:rPr>
                         <a:t>The entire web application is written in JavaScript.</a:t>
                       </a:r>
-                      <a:endParaRPr lang="en-US" sz="1100">
+                      <a:endParaRPr lang="en-US" sz="1100" dirty="0">
+                        <a:solidFill>
+                          <a:schemeClr val="accent2"/>
+                        </a:solidFill>
                         <a:effectLst/>
-                        <a:latin typeface="Times New Roman" panose="02020603050405020304" pitchFamily="18" charset="0"/>
+                        <a:latin typeface="Exo 2" panose="020B0604020202020204" charset="0"/>
                         <a:ea typeface="Calibri" panose="020F0502020204030204" pitchFamily="34" charset="0"/>
                         <a:cs typeface="David" panose="020E0502060401010101" pitchFamily="34" charset="-79"/>
                       </a:endParaRPr>
@@ -7313,13 +8689,20 @@
                       </a:pPr>
                       <a:r>
                         <a:rPr lang="en-US" sz="1100" dirty="0">
+                          <a:solidFill>
+                            <a:schemeClr val="accent2"/>
+                          </a:solidFill>
                           <a:effectLst/>
+                          <a:latin typeface="Exo 2" panose="020B0604020202020204" charset="0"/>
                         </a:rPr>
                         <a:t>	JavaScript</a:t>
                       </a:r>
                       <a:endParaRPr lang="en-US" sz="1100" dirty="0">
+                        <a:solidFill>
+                          <a:schemeClr val="accent2"/>
+                        </a:solidFill>
                         <a:effectLst/>
-                        <a:latin typeface="Times New Roman" panose="02020603050405020304" pitchFamily="18" charset="0"/>
+                        <a:latin typeface="Exo 2" panose="020B0604020202020204" charset="0"/>
                         <a:ea typeface="Calibri" panose="020F0502020204030204" pitchFamily="34" charset="0"/>
                         <a:cs typeface="David" panose="020E0502060401010101" pitchFamily="34" charset="-79"/>
                       </a:endParaRPr>
@@ -7333,7 +8716,7 @@
                   </a:ext>
                 </a:extLst>
               </a:tr>
-              <a:tr h="273880">
+              <a:tr h="447048">
                 <a:tc>
                   <a:txBody>
                     <a:bodyPr/>
@@ -7355,13 +8738,43 @@
                       </a:pPr>
                       <a:r>
                         <a:rPr lang="en-US" sz="1100" dirty="0">
+                          <a:solidFill>
+                            <a:schemeClr val="accent2"/>
+                          </a:solidFill>
                           <a:effectLst/>
+                          <a:latin typeface="Exo 2" panose="020B0604020202020204" charset="0"/>
                         </a:rPr>
                         <a:t>Handles the front-end; user interface.</a:t>
                       </a:r>
+                      <a:endParaRPr lang="he-IL" sz="1100" dirty="0">
+                        <a:solidFill>
+                          <a:schemeClr val="accent2"/>
+                        </a:solidFill>
+                        <a:effectLst/>
+                        <a:latin typeface="Exo 2" panose="020B0604020202020204" charset="0"/>
+                      </a:endParaRPr>
+                    </a:p>
+                    <a:p>
+                      <a:pPr marL="0" marR="0" algn="l" rtl="0">
+                        <a:lnSpc>
+                          <a:spcPct val="150000"/>
+                        </a:lnSpc>
+                        <a:spcBef>
+                          <a:spcPts val="0"/>
+                        </a:spcBef>
+                        <a:spcAft>
+                          <a:spcPts val="0"/>
+                        </a:spcAft>
+                        <a:tabLst>
+                          <a:tab pos="947420" algn="l"/>
+                        </a:tabLst>
+                      </a:pPr>
                       <a:endParaRPr lang="en-US" sz="1100" dirty="0">
+                        <a:solidFill>
+                          <a:schemeClr val="accent2"/>
+                        </a:solidFill>
                         <a:effectLst/>
-                        <a:latin typeface="Times New Roman" panose="02020603050405020304" pitchFamily="18" charset="0"/>
+                        <a:latin typeface="Exo 2" panose="020B0604020202020204" charset="0"/>
                         <a:ea typeface="Calibri" panose="020F0502020204030204" pitchFamily="34" charset="0"/>
                         <a:cs typeface="David" panose="020E0502060401010101" pitchFamily="34" charset="-79"/>
                       </a:endParaRPr>
@@ -7387,13 +8800,20 @@
                       </a:pPr>
                       <a:r>
                         <a:rPr lang="en-US" sz="1100" dirty="0">
+                          <a:solidFill>
+                            <a:schemeClr val="accent2"/>
+                          </a:solidFill>
                           <a:effectLst/>
+                          <a:latin typeface="Exo 2" panose="020B0604020202020204" charset="0"/>
                         </a:rPr>
                         <a:t>React</a:t>
                       </a:r>
                       <a:endParaRPr lang="en-US" sz="1100" dirty="0">
+                        <a:solidFill>
+                          <a:schemeClr val="accent2"/>
+                        </a:solidFill>
                         <a:effectLst/>
-                        <a:latin typeface="Times New Roman" panose="02020603050405020304" pitchFamily="18" charset="0"/>
+                        <a:latin typeface="Exo 2" panose="020B0604020202020204" charset="0"/>
                         <a:ea typeface="Calibri" panose="020F0502020204030204" pitchFamily="34" charset="0"/>
                         <a:cs typeface="David" panose="020E0502060401010101" pitchFamily="34" charset="-79"/>
                       </a:endParaRPr>
@@ -7407,7 +8827,7 @@
                   </a:ext>
                 </a:extLst>
               </a:tr>
-              <a:tr h="478518">
+              <a:tr h="472569">
                 <a:tc>
                   <a:txBody>
                     <a:bodyPr/>
@@ -7425,14 +8845,21 @@
                         </a:spcAft>
                       </a:pPr>
                       <a:r>
-                        <a:rPr lang="en-US" sz="1100">
+                        <a:rPr lang="en-US" sz="1100" dirty="0">
+                          <a:solidFill>
+                            <a:schemeClr val="accent2"/>
+                          </a:solidFill>
                           <a:effectLst/>
+                          <a:latin typeface="Exo 2" panose="020B0604020202020204" charset="0"/>
                         </a:rPr>
                         <a:t>Database for managing registered users.</a:t>
                       </a:r>
-                      <a:endParaRPr lang="en-US" sz="1100">
+                      <a:endParaRPr lang="en-US" sz="1100" dirty="0">
+                        <a:solidFill>
+                          <a:schemeClr val="accent2"/>
+                        </a:solidFill>
                         <a:effectLst/>
-                        <a:latin typeface="Times New Roman" panose="02020603050405020304" pitchFamily="18" charset="0"/>
+                        <a:latin typeface="Exo 2" panose="020B0604020202020204" charset="0"/>
                         <a:ea typeface="Calibri" panose="020F0502020204030204" pitchFamily="34" charset="0"/>
                         <a:cs typeface="David" panose="020E0502060401010101" pitchFamily="34" charset="-79"/>
                       </a:endParaRPr>
@@ -7458,13 +8885,20 @@
                       </a:pPr>
                       <a:r>
                         <a:rPr lang="en-US" sz="1100" dirty="0">
+                          <a:solidFill>
+                            <a:schemeClr val="accent2"/>
+                          </a:solidFill>
                           <a:effectLst/>
+                          <a:latin typeface="Exo 2" panose="020B0604020202020204" charset="0"/>
                         </a:rPr>
                         <a:t>MongoDB</a:t>
                       </a:r>
                       <a:endParaRPr lang="en-US" sz="1100" dirty="0">
+                        <a:solidFill>
+                          <a:schemeClr val="accent2"/>
+                        </a:solidFill>
                         <a:effectLst/>
-                        <a:latin typeface="Times New Roman" panose="02020603050405020304" pitchFamily="18" charset="0"/>
+                        <a:latin typeface="Exo 2" panose="020B0604020202020204" charset="0"/>
                         <a:ea typeface="Calibri" panose="020F0502020204030204" pitchFamily="34" charset="0"/>
                         <a:cs typeface="David" panose="020E0502060401010101" pitchFamily="34" charset="-79"/>
                       </a:endParaRPr>
@@ -7478,7 +8912,7 @@
                   </a:ext>
                 </a:extLst>
               </a:tr>
-              <a:tr h="354243">
+              <a:tr h="447048">
                 <a:tc>
                   <a:txBody>
                     <a:bodyPr/>
@@ -7496,14 +8930,41 @@
                         </a:spcAft>
                       </a:pPr>
                       <a:r>
-                        <a:rPr lang="en-US" sz="1100">
+                        <a:rPr lang="en-US" sz="1100" dirty="0">
+                          <a:solidFill>
+                            <a:schemeClr val="accent2"/>
+                          </a:solidFill>
                           <a:effectLst/>
+                          <a:latin typeface="Exo 2" panose="020B0604020202020204" charset="0"/>
                         </a:rPr>
                         <a:t>Handles HTTP requests.</a:t>
                       </a:r>
-                      <a:endParaRPr lang="en-US" sz="1100">
+                      <a:endParaRPr lang="he-IL" sz="1100" dirty="0">
+                        <a:solidFill>
+                          <a:schemeClr val="accent2"/>
+                        </a:solidFill>
                         <a:effectLst/>
-                        <a:latin typeface="Times New Roman" panose="02020603050405020304" pitchFamily="18" charset="0"/>
+                        <a:latin typeface="Exo 2" panose="020B0604020202020204" charset="0"/>
+                      </a:endParaRPr>
+                    </a:p>
+                    <a:p>
+                      <a:pPr marL="0" marR="0" algn="l" rtl="0">
+                        <a:lnSpc>
+                          <a:spcPct val="150000"/>
+                        </a:lnSpc>
+                        <a:spcBef>
+                          <a:spcPts val="0"/>
+                        </a:spcBef>
+                        <a:spcAft>
+                          <a:spcPts val="0"/>
+                        </a:spcAft>
+                      </a:pPr>
+                      <a:endParaRPr lang="en-US" sz="1100" dirty="0">
+                        <a:solidFill>
+                          <a:schemeClr val="accent2"/>
+                        </a:solidFill>
+                        <a:effectLst/>
+                        <a:latin typeface="Exo 2" panose="020B0604020202020204" charset="0"/>
                         <a:ea typeface="Calibri" panose="020F0502020204030204" pitchFamily="34" charset="0"/>
                         <a:cs typeface="David" panose="020E0502060401010101" pitchFamily="34" charset="-79"/>
                       </a:endParaRPr>
@@ -7528,14 +8989,21 @@
                         </a:spcAft>
                       </a:pPr>
                       <a:r>
-                        <a:rPr lang="en-US" sz="1100">
+                        <a:rPr lang="en-US" sz="1100" dirty="0" err="1">
+                          <a:solidFill>
+                            <a:schemeClr val="accent2"/>
+                          </a:solidFill>
                           <a:effectLst/>
+                          <a:latin typeface="Exo 2" panose="020B0604020202020204" charset="0"/>
                         </a:rPr>
                         <a:t>Axios</a:t>
                       </a:r>
-                      <a:endParaRPr lang="en-US" sz="1100">
+                      <a:endParaRPr lang="en-US" sz="1100" dirty="0">
+                        <a:solidFill>
+                          <a:schemeClr val="accent2"/>
+                        </a:solidFill>
                         <a:effectLst/>
-                        <a:latin typeface="Times New Roman" panose="02020603050405020304" pitchFamily="18" charset="0"/>
+                        <a:latin typeface="Exo 2" panose="020B0604020202020204" charset="0"/>
                         <a:ea typeface="Calibri" panose="020F0502020204030204" pitchFamily="34" charset="0"/>
                         <a:cs typeface="David" panose="020E0502060401010101" pitchFamily="34" charset="-79"/>
                       </a:endParaRPr>
@@ -7549,78 +9017,7 @@
                   </a:ext>
                 </a:extLst>
               </a:tr>
-              <a:tr h="478518">
-                <a:tc>
-                  <a:txBody>
-                    <a:bodyPr/>
-                    <a:lstStyle/>
-                    <a:p>
-                      <a:pPr marL="0" marR="0" algn="l" rtl="0">
-                        <a:lnSpc>
-                          <a:spcPct val="150000"/>
-                        </a:lnSpc>
-                        <a:spcBef>
-                          <a:spcPts val="0"/>
-                        </a:spcBef>
-                        <a:spcAft>
-                          <a:spcPts val="0"/>
-                        </a:spcAft>
-                      </a:pPr>
-                      <a:r>
-                        <a:rPr lang="en-US" sz="1100">
-                          <a:effectLst/>
-                        </a:rPr>
-                        <a:t>Used to scrap relevant articles from the web.</a:t>
-                      </a:r>
-                      <a:endParaRPr lang="en-US" sz="1100">
-                        <a:effectLst/>
-                        <a:latin typeface="Times New Roman" panose="02020603050405020304" pitchFamily="18" charset="0"/>
-                        <a:ea typeface="Calibri" panose="020F0502020204030204" pitchFamily="34" charset="0"/>
-                        <a:cs typeface="David" panose="020E0502060401010101" pitchFamily="34" charset="-79"/>
-                      </a:endParaRPr>
-                    </a:p>
-                  </a:txBody>
-                  <a:tcPr marL="68580" marR="68580" marT="0" marB="0"/>
-                </a:tc>
-                <a:tc>
-                  <a:txBody>
-                    <a:bodyPr/>
-                    <a:lstStyle/>
-                    <a:p>
-                      <a:pPr marL="0" marR="0" algn="l" rtl="0">
-                        <a:lnSpc>
-                          <a:spcPct val="150000"/>
-                        </a:lnSpc>
-                        <a:spcBef>
-                          <a:spcPts val="0"/>
-                        </a:spcBef>
-                        <a:spcAft>
-                          <a:spcPts val="0"/>
-                        </a:spcAft>
-                      </a:pPr>
-                      <a:r>
-                        <a:rPr lang="en-US" sz="1100">
-                          <a:effectLst/>
-                        </a:rPr>
-                        <a:t>Python (BeautifulSoup)</a:t>
-                      </a:r>
-                      <a:endParaRPr lang="en-US" sz="1100">
-                        <a:effectLst/>
-                        <a:latin typeface="Times New Roman" panose="02020603050405020304" pitchFamily="18" charset="0"/>
-                        <a:ea typeface="Calibri" panose="020F0502020204030204" pitchFamily="34" charset="0"/>
-                        <a:cs typeface="David" panose="020E0502060401010101" pitchFamily="34" charset="-79"/>
-                      </a:endParaRPr>
-                    </a:p>
-                  </a:txBody>
-                  <a:tcPr marL="68580" marR="68580" marT="0" marB="0"/>
-                </a:tc>
-                <a:extLst>
-                  <a:ext uri="{0D108BD9-81ED-4DB2-BD59-A6C34878D82A}">
-                    <a16:rowId xmlns:a16="http://schemas.microsoft.com/office/drawing/2014/main" val="436757330"/>
-                  </a:ext>
-                </a:extLst>
-              </a:tr>
-              <a:tr h="223926">
+              <a:tr h="472569">
                 <a:tc>
                   <a:txBody>
                     <a:bodyPr/>
@@ -7639,13 +9036,20 @@
                       </a:pPr>
                       <a:r>
                         <a:rPr lang="en-US" sz="1100" dirty="0">
+                          <a:solidFill>
+                            <a:schemeClr val="accent2"/>
+                          </a:solidFill>
                           <a:effectLst/>
+                          <a:latin typeface="Exo 2" panose="020B0604020202020204" charset="0"/>
                         </a:rPr>
-                        <a:t>Handles the back-end; server-side.</a:t>
+                        <a:t>Used to scrap relevant articles from the web.</a:t>
                       </a:r>
                       <a:endParaRPr lang="en-US" sz="1100" dirty="0">
+                        <a:solidFill>
+                          <a:schemeClr val="accent2"/>
+                        </a:solidFill>
                         <a:effectLst/>
-                        <a:latin typeface="Times New Roman" panose="02020603050405020304" pitchFamily="18" charset="0"/>
+                        <a:latin typeface="Exo 2" panose="020B0604020202020204" charset="0"/>
                         <a:ea typeface="Calibri" panose="020F0502020204030204" pitchFamily="34" charset="0"/>
                         <a:cs typeface="David" panose="020E0502060401010101" pitchFamily="34" charset="-79"/>
                       </a:endParaRPr>
@@ -7671,13 +9075,125 @@
                       </a:pPr>
                       <a:r>
                         <a:rPr lang="en-US" sz="1100" dirty="0">
+                          <a:solidFill>
+                            <a:schemeClr val="accent2"/>
+                          </a:solidFill>
                           <a:effectLst/>
+                          <a:latin typeface="Exo 2" panose="020B0604020202020204" charset="0"/>
+                        </a:rPr>
+                        <a:t>Python (BeautifulSoup)</a:t>
+                      </a:r>
+                      <a:endParaRPr lang="en-US" sz="1100" dirty="0">
+                        <a:solidFill>
+                          <a:schemeClr val="accent2"/>
+                        </a:solidFill>
+                        <a:effectLst/>
+                        <a:latin typeface="Exo 2" panose="020B0604020202020204" charset="0"/>
+                        <a:ea typeface="Calibri" panose="020F0502020204030204" pitchFamily="34" charset="0"/>
+                        <a:cs typeface="David" panose="020E0502060401010101" pitchFamily="34" charset="-79"/>
+                      </a:endParaRPr>
+                    </a:p>
+                  </a:txBody>
+                  <a:tcPr marL="68580" marR="68580" marT="0" marB="0"/>
+                </a:tc>
+                <a:extLst>
+                  <a:ext uri="{0D108BD9-81ED-4DB2-BD59-A6C34878D82A}">
+                    <a16:rowId xmlns:a16="http://schemas.microsoft.com/office/drawing/2014/main" val="436757330"/>
+                  </a:ext>
+                </a:extLst>
+              </a:tr>
+              <a:tr h="447048">
+                <a:tc>
+                  <a:txBody>
+                    <a:bodyPr/>
+                    <a:lstStyle/>
+                    <a:p>
+                      <a:pPr marL="0" marR="0" algn="l" rtl="0">
+                        <a:lnSpc>
+                          <a:spcPct val="150000"/>
+                        </a:lnSpc>
+                        <a:spcBef>
+                          <a:spcPts val="0"/>
+                        </a:spcBef>
+                        <a:spcAft>
+                          <a:spcPts val="0"/>
+                        </a:spcAft>
+                      </a:pPr>
+                      <a:r>
+                        <a:rPr lang="en-US" sz="1100" dirty="0">
+                          <a:solidFill>
+                            <a:schemeClr val="accent2"/>
+                          </a:solidFill>
+                          <a:effectLst/>
+                          <a:latin typeface="Exo 2" panose="020B0604020202020204" charset="0"/>
+                        </a:rPr>
+                        <a:t>Handles the back-end; server-side.</a:t>
+                      </a:r>
+                      <a:endParaRPr lang="he-IL" sz="1100" dirty="0">
+                        <a:solidFill>
+                          <a:schemeClr val="accent2"/>
+                        </a:solidFill>
+                        <a:effectLst/>
+                        <a:latin typeface="Exo 2" panose="020B0604020202020204" charset="0"/>
+                      </a:endParaRPr>
+                    </a:p>
+                    <a:p>
+                      <a:pPr marL="0" marR="0" algn="l" rtl="0">
+                        <a:lnSpc>
+                          <a:spcPct val="150000"/>
+                        </a:lnSpc>
+                        <a:spcBef>
+                          <a:spcPts val="0"/>
+                        </a:spcBef>
+                        <a:spcAft>
+                          <a:spcPts val="0"/>
+                        </a:spcAft>
+                      </a:pPr>
+                      <a:endParaRPr lang="en-US" sz="1100" dirty="0">
+                        <a:solidFill>
+                          <a:schemeClr val="accent2"/>
+                        </a:solidFill>
+                        <a:effectLst/>
+                        <a:latin typeface="Exo 2" panose="020B0604020202020204" charset="0"/>
+                        <a:ea typeface="Calibri" panose="020F0502020204030204" pitchFamily="34" charset="0"/>
+                        <a:cs typeface="David" panose="020E0502060401010101" pitchFamily="34" charset="-79"/>
+                      </a:endParaRPr>
+                    </a:p>
+                  </a:txBody>
+                  <a:tcPr marL="68580" marR="68580" marT="0" marB="0"/>
+                </a:tc>
+                <a:tc>
+                  <a:txBody>
+                    <a:bodyPr/>
+                    <a:lstStyle/>
+                    <a:p>
+                      <a:pPr marL="0" marR="0" algn="l" rtl="0">
+                        <a:lnSpc>
+                          <a:spcPct val="150000"/>
+                        </a:lnSpc>
+                        <a:spcBef>
+                          <a:spcPts val="0"/>
+                        </a:spcBef>
+                        <a:spcAft>
+                          <a:spcPts val="0"/>
+                        </a:spcAft>
+                      </a:pPr>
+                      <a:r>
+                        <a:rPr lang="en-US" sz="1100" dirty="0">
+                          <a:solidFill>
+                            <a:schemeClr val="accent2"/>
+                          </a:solidFill>
+                          <a:effectLst/>
+                          <a:latin typeface="Exo 2" panose="020B0604020202020204" charset="0"/>
                         </a:rPr>
                         <a:t>Node JS</a:t>
                       </a:r>
                       <a:endParaRPr lang="en-US" sz="1100" dirty="0">
+                        <a:solidFill>
+                          <a:schemeClr val="accent2"/>
+                        </a:solidFill>
                         <a:effectLst/>
-                        <a:latin typeface="Times New Roman" panose="02020603050405020304" pitchFamily="18" charset="0"/>
+                        <a:latin typeface="Exo 2" panose="020B0604020202020204" charset="0"/>
                         <a:ea typeface="Calibri" panose="020F0502020204030204" pitchFamily="34" charset="0"/>
                         <a:cs typeface="David" panose="020E0502060401010101" pitchFamily="34" charset="-79"/>
                       </a:endParaRPr>
@@ -7753,7 +9269,7 @@
             <a:br>
               <a:rPr lang="en-US" sz="1800" dirty="0">
                 <a:effectLst/>
-                <a:latin typeface="Times New Roman" panose="02020603050405020304" pitchFamily="18" charset="0"/>
+                <a:latin typeface="Exo 2" panose="020B0604020202020204" charset="0"/>
                 <a:ea typeface="Calibri" panose="020F0502020204030204" pitchFamily="34" charset="0"/>
                 <a:cs typeface="David" panose="020E0502060401010101" pitchFamily="34" charset="-79"/>
               </a:rPr>
@@ -7764,7 +9280,7 @@
                   <a:schemeClr val="accent2"/>
                 </a:solidFill>
                 <a:effectLst/>
-                <a:latin typeface="Times New Roman" panose="02020603050405020304" pitchFamily="18" charset="0"/>
+                <a:latin typeface="Exo 2" panose="020B0604020202020204" charset="0"/>
                 <a:ea typeface="Calibri" panose="020F0502020204030204" pitchFamily="34" charset="0"/>
                 <a:cs typeface="Times New Roman" panose="02020603050405020304" pitchFamily="18" charset="0"/>
               </a:rPr>
@@ -7774,6 +9290,7 @@
               <a:solidFill>
                 <a:schemeClr val="accent2"/>
               </a:solidFill>
+              <a:latin typeface="Exo 2" panose="020B0604020202020204" charset="0"/>
             </a:endParaRPr>
           </a:p>
         </p:txBody>
@@ -7794,8 +9311,8 @@
         </p:nvSpPr>
         <p:spPr>
           <a:xfrm flipH="1">
-            <a:off x="125972" y="1197935"/>
-            <a:ext cx="8295015" cy="2994425"/>
+            <a:off x="125970" y="1197935"/>
+            <a:ext cx="8870111" cy="3374065"/>
           </a:xfrm>
           <a:prstGeom prst="rect">
             <a:avLst/>
@@ -8070,52 +9587,22 @@
             </a:pPr>
             <a:r>
               <a:rPr lang="en-US" sz="1400" b="0" dirty="0">
+                <a:solidFill>
+                  <a:schemeClr val="accent2"/>
+                </a:solidFill>
                 <a:effectLst/>
-                <a:latin typeface="Times New Roman" panose="02020603050405020304" pitchFamily="18" charset="0"/>
+                <a:latin typeface="Exo 2" panose="020B0604020202020204" charset="0"/>
                 <a:ea typeface="Calibri" panose="020F0502020204030204" pitchFamily="34" charset="0"/>
                 <a:cs typeface="Times New Roman" panose="02020603050405020304" pitchFamily="18" charset="0"/>
               </a:rPr>
-              <a:t>At first, we used Selenium library with </a:t>
-            </a:r>
-            <a:r>
-              <a:rPr lang="en-US" sz="1400" b="0" dirty="0" err="1">
-                <a:effectLst/>
-                <a:latin typeface="Times New Roman" panose="02020603050405020304" pitchFamily="18" charset="0"/>
-                <a:ea typeface="Calibri" panose="020F0502020204030204" pitchFamily="34" charset="0"/>
-                <a:cs typeface="Times New Roman" panose="02020603050405020304" pitchFamily="18" charset="0"/>
-              </a:rPr>
-              <a:t>BeautifulSoup</a:t>
-            </a:r>
-            <a:r>
-              <a:rPr lang="en-US" sz="1400" b="0" dirty="0">
-                <a:effectLst/>
-                <a:latin typeface="Times New Roman" panose="02020603050405020304" pitchFamily="18" charset="0"/>
-                <a:ea typeface="Calibri" panose="020F0502020204030204" pitchFamily="34" charset="0"/>
-                <a:cs typeface="Times New Roman" panose="02020603050405020304" pitchFamily="18" charset="0"/>
-              </a:rPr>
-              <a:t> to gather the relevant articles about the company cyber-attacks. Selenium was used to open browser process and to execute the search query automatically, while </a:t>
-            </a:r>
-            <a:r>
-              <a:rPr lang="en-US" sz="1400" b="0" dirty="0" err="1">
-                <a:effectLst/>
-                <a:latin typeface="Times New Roman" panose="02020603050405020304" pitchFamily="18" charset="0"/>
-                <a:ea typeface="Calibri" panose="020F0502020204030204" pitchFamily="34" charset="0"/>
-                <a:cs typeface="Times New Roman" panose="02020603050405020304" pitchFamily="18" charset="0"/>
-              </a:rPr>
-              <a:t>BeautifulSoup</a:t>
-            </a:r>
-            <a:r>
-              <a:rPr lang="en-US" sz="1400" b="0" dirty="0">
-                <a:effectLst/>
-                <a:latin typeface="Times New Roman" panose="02020603050405020304" pitchFamily="18" charset="0"/>
-                <a:ea typeface="Calibri" panose="020F0502020204030204" pitchFamily="34" charset="0"/>
-                <a:cs typeface="Times New Roman" panose="02020603050405020304" pitchFamily="18" charset="0"/>
-              </a:rPr>
-              <a:t> was used to scrape the webpage for the article. Each website was scraped in parallel to save processing time.</a:t>
+              <a:t>At first, we used Selenium library with BeautifulSoup to gather the relevant articles about the company cyber-attacks. Selenium was used to open browser process and to execute the search query automatically, while BeautifulSoup was used to scrape the webpage for the article. Each website was scraped in parallel to save processing time.</a:t>
             </a:r>
             <a:endParaRPr lang="en-US" sz="1400" b="0" dirty="0">
+              <a:solidFill>
+                <a:schemeClr val="accent2"/>
+              </a:solidFill>
               <a:effectLst/>
-              <a:latin typeface="Times New Roman" panose="02020603050405020304" pitchFamily="18" charset="0"/>
+              <a:latin typeface="Exo 2" panose="020B0604020202020204" charset="0"/>
               <a:ea typeface="Calibri" panose="020F0502020204030204" pitchFamily="34" charset="0"/>
               <a:cs typeface="David" panose="020E0502060401010101" pitchFamily="34" charset="-79"/>
             </a:endParaRPr>
@@ -8134,8 +9621,11 @@
             </a:pPr>
             <a:r>
               <a:rPr lang="en-US" sz="1400" b="0" dirty="0">
+                <a:solidFill>
+                  <a:schemeClr val="accent2"/>
+                </a:solidFill>
                 <a:effectLst/>
-                <a:latin typeface="Times New Roman" panose="02020603050405020304" pitchFamily="18" charset="0"/>
+                <a:latin typeface="Exo 2" panose="020B0604020202020204" charset="0"/>
                 <a:ea typeface="Calibri" panose="020F0502020204030204" pitchFamily="34" charset="0"/>
                 <a:cs typeface="Times New Roman" panose="02020603050405020304" pitchFamily="18" charset="0"/>
               </a:rPr>
@@ -8153,7 +9643,10 @@
             </a:pPr>
             <a:r>
               <a:rPr lang="en-US" sz="1400" b="0" dirty="0">
-                <a:latin typeface="Times New Roman" panose="02020603050405020304" pitchFamily="18" charset="0"/>
+                <a:solidFill>
+                  <a:schemeClr val="accent2"/>
+                </a:solidFill>
+                <a:latin typeface="Exo 2" panose="020B0604020202020204" charset="0"/>
                 <a:ea typeface="Calibri" panose="020F0502020204030204" pitchFamily="34" charset="0"/>
                 <a:cs typeface="Times New Roman" panose="02020603050405020304" pitchFamily="18" charset="0"/>
               </a:rPr>
@@ -8161,8 +9654,11 @@
             </a:r>
             <a:r>
               <a:rPr lang="en-US" sz="1400" b="0" dirty="0">
+                <a:solidFill>
+                  <a:schemeClr val="accent2"/>
+                </a:solidFill>
                 <a:effectLst/>
-                <a:latin typeface="Times New Roman" panose="02020603050405020304" pitchFamily="18" charset="0"/>
+                <a:latin typeface="Exo 2" panose="020B0604020202020204" charset="0"/>
                 <a:ea typeface="Calibri" panose="020F0502020204030204" pitchFamily="34" charset="0"/>
                 <a:cs typeface="Times New Roman" panose="02020603050405020304" pitchFamily="18" charset="0"/>
               </a:rPr>
@@ -8180,7 +9676,10 @@
             </a:pPr>
             <a:r>
               <a:rPr lang="en-US" sz="1400" b="0" dirty="0">
-                <a:latin typeface="Times New Roman" panose="02020603050405020304" pitchFamily="18" charset="0"/>
+                <a:solidFill>
+                  <a:schemeClr val="accent2"/>
+                </a:solidFill>
+                <a:latin typeface="Exo 2" panose="020B0604020202020204" charset="0"/>
                 <a:ea typeface="Calibri" panose="020F0502020204030204" pitchFamily="34" charset="0"/>
                 <a:cs typeface="Times New Roman" panose="02020603050405020304" pitchFamily="18" charset="0"/>
               </a:rPr>
@@ -8188,14 +9687,20 @@
             </a:r>
             <a:r>
               <a:rPr lang="en-US" sz="1400" b="0" dirty="0">
+                <a:solidFill>
+                  <a:schemeClr val="accent2"/>
+                </a:solidFill>
                 <a:effectLst/>
-                <a:latin typeface="Times New Roman" panose="02020603050405020304" pitchFamily="18" charset="0"/>
+                <a:latin typeface="Exo 2" panose="020B0604020202020204" charset="0"/>
                 <a:ea typeface="Calibri" panose="020F0502020204030204" pitchFamily="34" charset="0"/>
               </a:rPr>
               <a:t>Threatpost.com</a:t>
             </a:r>
             <a:endParaRPr lang="en-US" sz="1400" b="0" dirty="0">
-              <a:latin typeface="Times New Roman" panose="02020603050405020304" pitchFamily="18" charset="0"/>
+              <a:solidFill>
+                <a:schemeClr val="accent2"/>
+              </a:solidFill>
+              <a:latin typeface="Exo 2" panose="020B0604020202020204" charset="0"/>
               <a:ea typeface="Calibri" panose="020F0502020204030204" pitchFamily="34" charset="0"/>
               <a:cs typeface="Times New Roman" panose="02020603050405020304" pitchFamily="18" charset="0"/>
             </a:endParaRPr>
@@ -8211,8 +9716,11 @@
             </a:pPr>
             <a:r>
               <a:rPr lang="en-US" sz="1400" b="0" dirty="0">
+                <a:solidFill>
+                  <a:schemeClr val="accent2"/>
+                </a:solidFill>
                 <a:effectLst/>
-                <a:latin typeface="Times New Roman" panose="02020603050405020304" pitchFamily="18" charset="0"/>
+                <a:latin typeface="Exo 2" panose="020B0604020202020204" charset="0"/>
                 <a:ea typeface="Calibri" panose="020F0502020204030204" pitchFamily="34" charset="0"/>
                 <a:cs typeface="Times New Roman" panose="02020603050405020304" pitchFamily="18" charset="0"/>
               </a:rPr>
@@ -8220,15 +9728,21 @@
             </a:r>
             <a:r>
               <a:rPr lang="en-US" sz="1400" b="0" dirty="0">
+                <a:solidFill>
+                  <a:schemeClr val="accent2"/>
+                </a:solidFill>
                 <a:effectLst/>
-                <a:latin typeface="Times New Roman" panose="02020603050405020304" pitchFamily="18" charset="0"/>
+                <a:latin typeface="Exo 2" panose="020B0604020202020204" charset="0"/>
                 <a:ea typeface="Calibri" panose="020F0502020204030204" pitchFamily="34" charset="0"/>
               </a:rPr>
               <a:t>Welivesecurity.com</a:t>
             </a:r>
             <a:endParaRPr lang="en-US" sz="1400" b="0" dirty="0">
+              <a:solidFill>
+                <a:schemeClr val="accent2"/>
+              </a:solidFill>
               <a:effectLst/>
-              <a:latin typeface="Times New Roman" panose="02020603050405020304" pitchFamily="18" charset="0"/>
+              <a:latin typeface="Exo 2" panose="020B0604020202020204" charset="0"/>
               <a:ea typeface="Calibri" panose="020F0502020204030204" pitchFamily="34" charset="0"/>
               <a:cs typeface="David" panose="020E0502060401010101" pitchFamily="34" charset="-79"/>
             </a:endParaRPr>
@@ -8249,39 +9763,48 @@
               <a:solidFill>
                 <a:schemeClr val="accent2"/>
               </a:solidFill>
-              <a:latin typeface="+mn-lt"/>
+              <a:latin typeface="Exo 2" panose="020B0604020202020204" charset="0"/>
             </a:endParaRPr>
           </a:p>
         </p:txBody>
       </p:sp>
       <p:pic>
         <p:nvPicPr>
-          <p:cNvPr id="3" name="Picture 2">
+          <p:cNvPr id="5" name="Picture 4">
             <a:extLst>
               <a:ext uri="{FF2B5EF4-FFF2-40B4-BE49-F238E27FC236}">
-                <a16:creationId xmlns:a16="http://schemas.microsoft.com/office/drawing/2014/main" id="{017340DC-4DB2-4195-8F16-FD9C9629011A}"/>
+                <a16:creationId xmlns:a16="http://schemas.microsoft.com/office/drawing/2014/main" id="{52CF813E-1CDA-47D4-943A-69E4D1194684}"/>
               </a:ext>
             </a:extLst>
           </p:cNvPr>
-          <p:cNvPicPr>
-            <a:picLocks noChangeAspect="1"/>
-          </p:cNvPicPr>
+          <p:cNvPicPr/>
           <p:nvPr/>
         </p:nvPicPr>
         <p:blipFill>
-          <a:blip r:embed="rId3"/>
+          <a:blip r:embed="rId3" cstate="print">
+            <a:extLst>
+              <a:ext uri="{28A0092B-C50C-407E-A947-70E740481C1C}">
+                <a14:useLocalDpi xmlns:a14="http://schemas.microsoft.com/office/drawing/2010/main" val="0"/>
+              </a:ext>
+            </a:extLst>
+          </a:blip>
+          <a:srcRect/>
           <a:stretch>
             <a:fillRect/>
           </a:stretch>
         </p:blipFill>
-        <p:spPr>
+        <p:spPr bwMode="auto">
           <a:xfrm>
-            <a:off x="3749400" y="2544330"/>
-            <a:ext cx="5176480" cy="2462783"/>
+            <a:off x="3817567" y="2739839"/>
+            <a:ext cx="5200463" cy="2296337"/>
           </a:xfrm>
           <a:prstGeom prst="rect">
             <a:avLst/>
           </a:prstGeom>
+          <a:noFill/>
+          <a:ln>
+            <a:noFill/>
+          </a:ln>
         </p:spPr>
       </p:pic>
     </p:spTree>
@@ -8326,7 +9849,7 @@
         </p:nvSpPr>
         <p:spPr>
           <a:xfrm flipH="1">
-            <a:off x="267741" y="292333"/>
+            <a:off x="194982" y="319227"/>
             <a:ext cx="5353337" cy="778010"/>
           </a:xfrm>
           <a:prstGeom prst="rect">
@@ -8353,6 +9876,7 @@
                 <a:solidFill>
                   <a:schemeClr val="accent2"/>
                 </a:solidFill>
+                <a:latin typeface="Exo 2" panose="020B0604020202020204" charset="0"/>
               </a:rPr>
               <a:t>ISSUES</a:t>
             </a:r>
@@ -8360,6 +9884,7 @@
               <a:solidFill>
                 <a:schemeClr val="accent2"/>
               </a:solidFill>
+              <a:latin typeface="Exo 2" panose="020B0604020202020204" charset="0"/>
             </a:endParaRPr>
           </a:p>
         </p:txBody>
@@ -8380,8 +9905,8 @@
         </p:nvSpPr>
         <p:spPr>
           <a:xfrm flipH="1">
-            <a:off x="345711" y="1070343"/>
-            <a:ext cx="8110715" cy="5148883"/>
+            <a:off x="194980" y="2571750"/>
+            <a:ext cx="5815853" cy="2474258"/>
           </a:xfrm>
           <a:prstGeom prst="rect">
             <a:avLst/>
@@ -8652,20 +10177,31 @@
               </a:spcAft>
             </a:pPr>
             <a:r>
-              <a:rPr lang="en-US" sz="1100" dirty="0">
+              <a:rPr lang="en-US" sz="900" dirty="0">
                 <a:solidFill>
                   <a:schemeClr val="accent2"/>
                 </a:solidFill>
-                <a:latin typeface="+mn-lt"/>
+                <a:effectLst/>
+                <a:latin typeface="Exo 2" panose="020B0604020202020204" charset="0"/>
+                <a:ea typeface="Calibri" panose="020F0502020204030204" pitchFamily="34" charset="0"/>
               </a:rPr>
-              <a:t>Scraping websites.</a:t>
+              <a:t>Nonpersistent session</a:t>
             </a:r>
-            <a:endParaRPr lang="en-US" sz="1100" dirty="0">
+            <a:r>
+              <a:rPr lang="en-US" sz="900" dirty="0">
+                <a:solidFill>
+                  <a:schemeClr val="accent2"/>
+                </a:solidFill>
+                <a:latin typeface="Exo 2" panose="020B0604020202020204" charset="0"/>
+              </a:rPr>
+              <a:t>.</a:t>
+            </a:r>
+            <a:endParaRPr lang="en-US" sz="900" dirty="0">
               <a:solidFill>
                 <a:schemeClr val="accent2"/>
               </a:solidFill>
               <a:effectLst/>
-              <a:latin typeface="+mn-lt"/>
+              <a:latin typeface="Exo 2" panose="020B0604020202020204" charset="0"/>
               <a:ea typeface="Calibri" panose="020F0502020204030204" pitchFamily="34" charset="0"/>
               <a:cs typeface="Times New Roman" panose="02020603050405020304" pitchFamily="18" charset="0"/>
             </a:endParaRPr>
@@ -8680,34 +10216,23 @@
               </a:spcAft>
             </a:pPr>
             <a:r>
-              <a:rPr lang="en-US" sz="1100" b="0" dirty="0">
+              <a:rPr lang="en-US" sz="900" b="0" dirty="0">
                 <a:solidFill>
                   <a:schemeClr val="accent2"/>
                 </a:solidFill>
-                <a:latin typeface="+mn-lt"/>
+                <a:effectLst/>
+                <a:latin typeface="Exo 2" panose="020B0604020202020204" charset="0"/>
                 <a:ea typeface="Calibri" panose="020F0502020204030204" pitchFamily="34" charset="0"/>
                 <a:cs typeface="Times New Roman" panose="02020603050405020304" pitchFamily="18" charset="0"/>
               </a:rPr>
-              <a:t>S</a:t>
+              <a:t>The session between the user and the server remains open for several hours and only close when the user wants to log out or after the session time limit. We faced an issue that if a logged in user refreshed the webpage, it would log him out and close the session with the server. We managed to solve this by inserting the get user data method inside the render method.</a:t>
             </a:r>
-            <a:r>
-              <a:rPr lang="en-US" sz="1100" b="0" dirty="0">
-                <a:solidFill>
-                  <a:schemeClr val="accent2"/>
-                </a:solidFill>
-                <a:effectLst/>
-                <a:latin typeface="+mn-lt"/>
-                <a:ea typeface="Calibri" panose="020F0502020204030204" pitchFamily="34" charset="0"/>
-                <a:cs typeface="Times New Roman" panose="02020603050405020304" pitchFamily="18" charset="0"/>
-              </a:rPr>
-              <a:t>ome websites were problematic to scrape or showed nonrelevant results. For example, some website sometimes loaded up the most recent cyber news in general before displaying search results on the desired query. This proved difficult to scrape because it required to timeout the scraper until the relevant articles loaded up. In order to solve this issue, we decided to remove websites with this kind of problems and keep only the reliable websites for scraping.</a:t>
-            </a:r>
-            <a:endParaRPr lang="he-IL" sz="1100" b="0" dirty="0">
+            <a:endParaRPr lang="he-IL" sz="900" b="0" dirty="0">
               <a:solidFill>
                 <a:schemeClr val="accent2"/>
               </a:solidFill>
               <a:effectLst/>
-              <a:latin typeface="+mn-lt"/>
+              <a:latin typeface="Exo 2" panose="020B0604020202020204" charset="0"/>
               <a:ea typeface="Calibri" panose="020F0502020204030204" pitchFamily="34" charset="0"/>
               <a:cs typeface="Times New Roman" panose="02020603050405020304" pitchFamily="18" charset="0"/>
             </a:endParaRPr>
@@ -8722,101 +10247,31 @@
               </a:spcAft>
             </a:pPr>
             <a:r>
-              <a:rPr lang="en-US" sz="1100" dirty="0">
+              <a:rPr lang="en-US" sz="900" dirty="0">
                 <a:solidFill>
                   <a:schemeClr val="accent2"/>
                 </a:solidFill>
                 <a:effectLst/>
-                <a:latin typeface="+mn-lt"/>
-                <a:ea typeface="Calibri" panose="020F0502020204030204" pitchFamily="34" charset="0"/>
-              </a:rPr>
-              <a:t>Nonpersistent session</a:t>
-            </a:r>
-            <a:r>
-              <a:rPr lang="en-US" sz="1100" dirty="0">
-                <a:solidFill>
-                  <a:schemeClr val="accent2"/>
-                </a:solidFill>
-                <a:latin typeface="+mn-lt"/>
-              </a:rPr>
-              <a:t>.</a:t>
-            </a:r>
-            <a:endParaRPr lang="en-US" sz="1100" dirty="0">
-              <a:solidFill>
-                <a:schemeClr val="accent2"/>
-              </a:solidFill>
-              <a:effectLst/>
-              <a:latin typeface="+mn-lt"/>
-              <a:ea typeface="Calibri" panose="020F0502020204030204" pitchFamily="34" charset="0"/>
-              <a:cs typeface="Times New Roman" panose="02020603050405020304" pitchFamily="18" charset="0"/>
-            </a:endParaRPr>
-          </a:p>
-          <a:p>
-            <a:pPr rtl="1">
-              <a:lnSpc>
-                <a:spcPct val="150000"/>
-              </a:lnSpc>
-              <a:spcAft>
-                <a:spcPts val="1000"/>
-              </a:spcAft>
-            </a:pPr>
-            <a:r>
-              <a:rPr lang="en-US" sz="1100" b="0" dirty="0">
-                <a:solidFill>
-                  <a:schemeClr val="accent2"/>
-                </a:solidFill>
-                <a:effectLst/>
-                <a:latin typeface="+mn-lt"/>
-                <a:ea typeface="Calibri" panose="020F0502020204030204" pitchFamily="34" charset="0"/>
-                <a:cs typeface="Times New Roman" panose="02020603050405020304" pitchFamily="18" charset="0"/>
-              </a:rPr>
-              <a:t>The session between the user and the server remains open for several hours and only close when the user wants to log out or after the session time limit. We faced an issue that if a logged in user refreshed the webpage, it would log him out and close the session with the server. We managed to solve this by inserting the get user data method inside the render method.</a:t>
-            </a:r>
-            <a:endParaRPr lang="he-IL" sz="1100" b="0" dirty="0">
-              <a:solidFill>
-                <a:schemeClr val="accent2"/>
-              </a:solidFill>
-              <a:effectLst/>
-              <a:latin typeface="+mn-lt"/>
-              <a:ea typeface="Calibri" panose="020F0502020204030204" pitchFamily="34" charset="0"/>
-              <a:cs typeface="Times New Roman" panose="02020603050405020304" pitchFamily="18" charset="0"/>
-            </a:endParaRPr>
-          </a:p>
-          <a:p>
-            <a:pPr rtl="1">
-              <a:lnSpc>
-                <a:spcPct val="150000"/>
-              </a:lnSpc>
-              <a:spcAft>
-                <a:spcPts val="1000"/>
-              </a:spcAft>
-            </a:pPr>
-            <a:r>
-              <a:rPr lang="en-US" sz="1100" dirty="0">
-                <a:solidFill>
-                  <a:schemeClr val="accent2"/>
-                </a:solidFill>
-                <a:effectLst/>
-                <a:latin typeface="+mn-lt"/>
+                <a:latin typeface="Exo 2" panose="020B0604020202020204" charset="0"/>
                 <a:ea typeface="Calibri" panose="020F0502020204030204" pitchFamily="34" charset="0"/>
               </a:rPr>
               <a:t>Selenium</a:t>
             </a:r>
             <a:r>
-              <a:rPr lang="en-US" sz="1100" dirty="0">
+              <a:rPr lang="en-US" sz="900" dirty="0">
                 <a:solidFill>
                   <a:schemeClr val="accent2"/>
                 </a:solidFill>
-                <a:latin typeface="+mn-lt"/>
+                <a:latin typeface="Exo 2" panose="020B0604020202020204" charset="0"/>
               </a:rPr>
               <a:t>.</a:t>
             </a:r>
-            <a:endParaRPr lang="en-US" sz="1100" dirty="0">
+            <a:endParaRPr lang="en-US" sz="900" dirty="0">
               <a:solidFill>
                 <a:schemeClr val="accent2"/>
               </a:solidFill>
               <a:effectLst/>
-              <a:latin typeface="+mn-lt"/>
+              <a:latin typeface="Exo 2" panose="020B0604020202020204" charset="0"/>
               <a:ea typeface="Calibri" panose="020F0502020204030204" pitchFamily="34" charset="0"/>
               <a:cs typeface="Times New Roman" panose="02020603050405020304" pitchFamily="18" charset="0"/>
             </a:endParaRPr>
@@ -8834,130 +10289,199 @@
               </a:spcAft>
             </a:pPr>
             <a:r>
-              <a:rPr lang="en-US" sz="1100" b="0" dirty="0">
+              <a:rPr lang="en-US" sz="900" b="0" dirty="0">
                 <a:solidFill>
                   <a:schemeClr val="accent2"/>
                 </a:solidFill>
                 <a:effectLst/>
-                <a:latin typeface="Times New Roman" panose="02020603050405020304" pitchFamily="18" charset="0"/>
+                <a:latin typeface="Exo 2" panose="020B0604020202020204" charset="0"/>
                 <a:ea typeface="Calibri" panose="020F0502020204030204" pitchFamily="34" charset="0"/>
                 <a:cs typeface="Times New Roman" panose="02020603050405020304" pitchFamily="18" charset="0"/>
               </a:rPr>
-              <a:t>Selenium is a Python package that used to perform automated tasks on webpages. We used Selenium to scrap webpages for articles. This proved to be inefficient and too slow. This was unacceptable and we had to replace Selenium. We eventually settled on </a:t>
+              <a:t>Selenium is a Python package that used to perform automated tasks on webpages. We used Selenium to scrap webpages for articles. This proved to be inefficient and too slow. This was unacceptable and we had to replace Selenium. We eventually settled on BeautifulSoup package which is faster than Selenium. Unlike Selenium, BeautifulSoup is using HTML GET requests to acquire the needed data so it uses much less resources from the server. Now every search can take up to fifteen seconds to load, that’s over 60% improvement.</a:t>
             </a:r>
-            <a:r>
-              <a:rPr lang="en-US" sz="1100" b="0" dirty="0" err="1">
-                <a:solidFill>
-                  <a:schemeClr val="accent2"/>
-                </a:solidFill>
-                <a:effectLst/>
-                <a:latin typeface="Times New Roman" panose="02020603050405020304" pitchFamily="18" charset="0"/>
-                <a:ea typeface="Calibri" panose="020F0502020204030204" pitchFamily="34" charset="0"/>
-                <a:cs typeface="Times New Roman" panose="02020603050405020304" pitchFamily="18" charset="0"/>
-              </a:rPr>
-              <a:t>BeautifulSoup</a:t>
-            </a:r>
-            <a:r>
-              <a:rPr lang="en-US" sz="1100" b="0" dirty="0">
-                <a:solidFill>
-                  <a:schemeClr val="accent2"/>
-                </a:solidFill>
-                <a:effectLst/>
-                <a:latin typeface="Times New Roman" panose="02020603050405020304" pitchFamily="18" charset="0"/>
-                <a:ea typeface="Calibri" panose="020F0502020204030204" pitchFamily="34" charset="0"/>
-                <a:cs typeface="Times New Roman" panose="02020603050405020304" pitchFamily="18" charset="0"/>
-              </a:rPr>
-              <a:t> package which is faster than Selenium. Unlike Selenium, </a:t>
-            </a:r>
-            <a:r>
-              <a:rPr lang="en-US" sz="1100" b="0" dirty="0" err="1">
-                <a:solidFill>
-                  <a:schemeClr val="accent2"/>
-                </a:solidFill>
-                <a:effectLst/>
-                <a:latin typeface="Times New Roman" panose="02020603050405020304" pitchFamily="18" charset="0"/>
-                <a:ea typeface="Calibri" panose="020F0502020204030204" pitchFamily="34" charset="0"/>
-                <a:cs typeface="Times New Roman" panose="02020603050405020304" pitchFamily="18" charset="0"/>
-              </a:rPr>
-              <a:t>BeautifulSoup</a:t>
-            </a:r>
-            <a:r>
-              <a:rPr lang="en-US" sz="1100" b="0" dirty="0">
-                <a:solidFill>
-                  <a:schemeClr val="accent2"/>
-                </a:solidFill>
-                <a:effectLst/>
-                <a:latin typeface="Times New Roman" panose="02020603050405020304" pitchFamily="18" charset="0"/>
-                <a:ea typeface="Calibri" panose="020F0502020204030204" pitchFamily="34" charset="0"/>
-                <a:cs typeface="Times New Roman" panose="02020603050405020304" pitchFamily="18" charset="0"/>
-              </a:rPr>
-              <a:t> is using HTML GET requests to acquire the needed data so it uses much less resources from the server. Now every search can take up to fifteen seconds to load, that’s over 60% improvement.</a:t>
-            </a:r>
-            <a:endParaRPr lang="en-US" sz="1100" b="0" dirty="0">
+            <a:endParaRPr lang="en-US" sz="900" b="0" dirty="0">
               <a:solidFill>
                 <a:schemeClr val="accent2"/>
               </a:solidFill>
               <a:effectLst/>
-              <a:latin typeface="Times New Roman" panose="02020603050405020304" pitchFamily="18" charset="0"/>
+              <a:latin typeface="Exo 2" panose="020B0604020202020204" charset="0"/>
               <a:ea typeface="Calibri" panose="020F0502020204030204" pitchFamily="34" charset="0"/>
               <a:cs typeface="David" panose="020E0502060401010101" pitchFamily="34" charset="-79"/>
             </a:endParaRPr>
           </a:p>
+        </p:txBody>
+      </p:sp>
+      <p:pic>
+        <p:nvPicPr>
+          <p:cNvPr id="4" name="Picture 3">
+            <a:extLst>
+              <a:ext uri="{FF2B5EF4-FFF2-40B4-BE49-F238E27FC236}">
+                <a16:creationId xmlns:a16="http://schemas.microsoft.com/office/drawing/2014/main" id="{A3E18E15-CEBE-4A3D-BEA1-92AB3B9E969F}"/>
+              </a:ext>
+            </a:extLst>
+          </p:cNvPr>
+          <p:cNvPicPr/>
+          <p:nvPr/>
+        </p:nvPicPr>
+        <p:blipFill>
+          <a:blip r:embed="rId3" cstate="print">
+            <a:extLst>
+              <a:ext uri="{28A0092B-C50C-407E-A947-70E740481C1C}">
+                <a14:useLocalDpi xmlns:a14="http://schemas.microsoft.com/office/drawing/2010/main" val="0"/>
+              </a:ext>
+            </a:extLst>
+          </a:blip>
+          <a:stretch>
+            <a:fillRect/>
+          </a:stretch>
+        </p:blipFill>
+        <p:spPr>
+          <a:xfrm>
+            <a:off x="6010833" y="3133165"/>
+            <a:ext cx="3052485" cy="2010335"/>
+          </a:xfrm>
+          <a:prstGeom prst="rect">
+            <a:avLst/>
+          </a:prstGeom>
+        </p:spPr>
+      </p:pic>
+      <p:sp>
+        <p:nvSpPr>
+          <p:cNvPr id="2" name="TextBox 1">
+            <a:extLst>
+              <a:ext uri="{FF2B5EF4-FFF2-40B4-BE49-F238E27FC236}">
+                <a16:creationId xmlns:a16="http://schemas.microsoft.com/office/drawing/2014/main" id="{19202ED5-F91E-47D6-A44F-DEDE0B5FE04B}"/>
+              </a:ext>
+            </a:extLst>
+          </p:cNvPr>
+          <p:cNvSpPr txBox="1"/>
+          <p:nvPr/>
+        </p:nvSpPr>
+        <p:spPr>
+          <a:xfrm>
+            <a:off x="194980" y="1103961"/>
+            <a:ext cx="8357349" cy="1395254"/>
+          </a:xfrm>
+          <a:prstGeom prst="rect">
+            <a:avLst/>
+          </a:prstGeom>
+          <a:noFill/>
+        </p:spPr>
+        <p:txBody>
+          <a:bodyPr wrap="square" rtlCol="1">
+            <a:spAutoFit/>
+          </a:bodyPr>
+          <a:lstStyle/>
           <a:p>
-            <a:pPr rtl="1">
+            <a:pPr marL="0" marR="0" lvl="0" indent="0" algn="l" defTabSz="914400" rtl="1" eaLnBrk="1" fontAlgn="auto" latinLnBrk="0" hangingPunct="1">
               <a:lnSpc>
                 <a:spcPct val="150000"/>
               </a:lnSpc>
+              <a:spcBef>
+                <a:spcPts val="0"/>
+              </a:spcBef>
               <a:spcAft>
                 <a:spcPts val="1000"/>
               </a:spcAft>
+              <a:buClr>
+                <a:srgbClr val="000000"/>
+              </a:buClr>
+              <a:buSzTx/>
+              <a:buFont typeface="Arial"/>
+              <a:buNone/>
+              <a:tabLst/>
+              <a:defRPr/>
             </a:pPr>
-            <a:endParaRPr lang="en-US" sz="1100" b="0" dirty="0">
+            <a:r>
+              <a:rPr kumimoji="0" lang="en-US" sz="900" b="1" i="0" u="none" strike="noStrike" kern="0" cap="none" spc="0" normalizeH="0" baseline="0" noProof="0" dirty="0">
+                <a:ln>
+                  <a:noFill/>
+                </a:ln>
+                <a:solidFill>
+                  <a:srgbClr val="212121"/>
+                </a:solidFill>
+                <a:effectLst/>
+                <a:uLnTx/>
+                <a:uFillTx/>
+                <a:latin typeface="Exo 2" panose="020B0604020202020204" charset="0"/>
+                <a:sym typeface="Arial"/>
+              </a:rPr>
+              <a:t>Scraping websites.</a:t>
+            </a:r>
+            <a:endParaRPr kumimoji="0" lang="en-US" sz="900" b="1" i="0" u="none" strike="noStrike" kern="0" cap="none" spc="0" normalizeH="0" baseline="0" noProof="0" dirty="0">
+              <a:ln>
+                <a:noFill/>
+              </a:ln>
               <a:solidFill>
-                <a:schemeClr val="accent2"/>
+                <a:srgbClr val="212121"/>
               </a:solidFill>
               <a:effectLst/>
-              <a:latin typeface="+mn-lt"/>
+              <a:uLnTx/>
+              <a:uFillTx/>
+              <a:latin typeface="Exo 2" panose="020B0604020202020204" charset="0"/>
               <a:ea typeface="Calibri" panose="020F0502020204030204" pitchFamily="34" charset="0"/>
-              <a:cs typeface="David" panose="020E0502060401010101" pitchFamily="34" charset="-79"/>
+              <a:cs typeface="Times New Roman" panose="02020603050405020304" pitchFamily="18" charset="0"/>
+              <a:sym typeface="Arial"/>
             </a:endParaRPr>
           </a:p>
           <a:p>
-            <a:pPr rtl="1">
+            <a:pPr marL="0" marR="0" lvl="0" indent="0" algn="l" defTabSz="914400" rtl="1" eaLnBrk="1" fontAlgn="auto" latinLnBrk="0" hangingPunct="1">
               <a:lnSpc>
                 <a:spcPct val="150000"/>
               </a:lnSpc>
+              <a:spcBef>
+                <a:spcPts val="0"/>
+              </a:spcBef>
               <a:spcAft>
                 <a:spcPts val="1000"/>
               </a:spcAft>
+              <a:buClr>
+                <a:srgbClr val="000000"/>
+              </a:buClr>
+              <a:buSzTx/>
+              <a:buFont typeface="Arial"/>
+              <a:buNone/>
+              <a:tabLst/>
+              <a:defRPr/>
             </a:pPr>
-            <a:endParaRPr lang="en-US" sz="1100" dirty="0">
+            <a:r>
+              <a:rPr kumimoji="0" lang="en-US" sz="900" b="0" i="0" u="none" strike="noStrike" kern="0" cap="none" spc="0" normalizeH="0" baseline="0" noProof="0" dirty="0">
+                <a:ln>
+                  <a:noFill/>
+                </a:ln>
+                <a:solidFill>
+                  <a:srgbClr val="212121"/>
+                </a:solidFill>
+                <a:effectLst/>
+                <a:uLnTx/>
+                <a:uFillTx/>
+                <a:latin typeface="Exo 2" panose="020B0604020202020204" charset="0"/>
+                <a:ea typeface="Calibri" panose="020F0502020204030204" pitchFamily="34" charset="0"/>
+                <a:cs typeface="Times New Roman" panose="02020603050405020304" pitchFamily="18" charset="0"/>
+                <a:sym typeface="Arial"/>
+              </a:rPr>
+              <a:t>Some websites were problematic to scrape or showed nonrelevant results. For example, some website sometimes loaded up the most recent cyber news in general before displaying search results on the desired query. This proved difficult to scrape because it required to timeout the scraper until the relevant articles loaded up. In order to solve this issue, we decided to remove websites with this kind of problems and keep only the reliable websites for scraping.</a:t>
+            </a:r>
+            <a:endParaRPr kumimoji="0" lang="he-IL" sz="900" b="0" i="0" u="none" strike="noStrike" kern="0" cap="none" spc="0" normalizeH="0" baseline="0" noProof="0" dirty="0">
+              <a:ln>
+                <a:noFill/>
+              </a:ln>
               <a:solidFill>
-                <a:schemeClr val="accent2"/>
+                <a:srgbClr val="212121"/>
               </a:solidFill>
               <a:effectLst/>
-              <a:latin typeface="+mn-lt"/>
+              <a:uLnTx/>
+              <a:uFillTx/>
+              <a:latin typeface="Exo 2" panose="020B0604020202020204" charset="0"/>
               <a:ea typeface="Calibri" panose="020F0502020204030204" pitchFamily="34" charset="0"/>
-              <a:cs typeface="David" panose="020E0502060401010101" pitchFamily="34" charset="-79"/>
+              <a:cs typeface="Times New Roman" panose="02020603050405020304" pitchFamily="18" charset="0"/>
+              <a:sym typeface="Arial"/>
             </a:endParaRPr>
           </a:p>
           <a:p>
-            <a:pPr marL="0" marR="0" algn="l" rtl="1">
-              <a:lnSpc>
-                <a:spcPct val="150000"/>
-              </a:lnSpc>
-              <a:spcBef>
-                <a:spcPts val="0"/>
-              </a:spcBef>
-              <a:spcAft>
-                <a:spcPts val="1000"/>
-              </a:spcAft>
-            </a:pPr>
-            <a:endParaRPr lang="en-US" sz="1100" dirty="0">
-              <a:solidFill>
-                <a:schemeClr val="accent2"/>
-              </a:solidFill>
-              <a:latin typeface="+mn-lt"/>
+            <a:endParaRPr lang="he-IL" dirty="0">
+              <a:latin typeface="Exo 2" panose="020B0604020202020204" charset="0"/>
             </a:endParaRPr>
           </a:p>
         </p:txBody>
@@ -9084,7 +10608,7 @@
         </p:nvSpPr>
         <p:spPr>
           <a:xfrm flipH="1">
-            <a:off x="409509" y="235625"/>
+            <a:off x="324448" y="235623"/>
             <a:ext cx="5353337" cy="778010"/>
           </a:xfrm>
           <a:prstGeom prst="rect">
@@ -9138,8 +10662,8 @@
         </p:nvSpPr>
         <p:spPr>
           <a:xfrm flipH="1">
-            <a:off x="324448" y="1013635"/>
-            <a:ext cx="3961057" cy="3983667"/>
+            <a:off x="324448" y="1188721"/>
+            <a:ext cx="3961057" cy="4160274"/>
           </a:xfrm>
           <a:prstGeom prst="rect">
             <a:avLst/>
@@ -9415,7 +10939,7 @@
                   <a:schemeClr val="accent2"/>
                 </a:solidFill>
                 <a:effectLst/>
-                <a:latin typeface="Times New Roman" panose="02020603050405020304" pitchFamily="18" charset="0"/>
+                <a:latin typeface="Exo 2" panose="020B0604020202020204" charset="0"/>
                 <a:ea typeface="Calibri" panose="020F0502020204030204" pitchFamily="34" charset="0"/>
                 <a:cs typeface="Times New Roman" panose="02020603050405020304" pitchFamily="18" charset="0"/>
               </a:rPr>
@@ -9426,7 +10950,7 @@
                 <a:schemeClr val="accent2"/>
               </a:solidFill>
               <a:effectLst/>
-              <a:latin typeface="Times New Roman" panose="02020603050405020304" pitchFamily="18" charset="0"/>
+              <a:latin typeface="Exo 2" panose="020B0604020202020204" charset="0"/>
               <a:ea typeface="Calibri" panose="020F0502020204030204" pitchFamily="34" charset="0"/>
               <a:cs typeface="David" panose="020E0502060401010101" pitchFamily="34" charset="-79"/>
             </a:endParaRPr>
@@ -9447,7 +10971,7 @@
               <a:solidFill>
                 <a:schemeClr val="accent2"/>
               </a:solidFill>
-              <a:latin typeface="+mn-lt"/>
+              <a:latin typeface="Exo 2" panose="020B0604020202020204" charset="0"/>
             </a:endParaRPr>
           </a:p>
         </p:txBody>
@@ -9533,7 +11057,7 @@
         </p:nvSpPr>
         <p:spPr>
           <a:xfrm flipH="1">
-            <a:off x="409509" y="235625"/>
+            <a:off x="324448" y="235625"/>
             <a:ext cx="5353337" cy="778010"/>
           </a:xfrm>
           <a:prstGeom prst="rect">
@@ -9587,7 +11111,7 @@
         </p:nvSpPr>
         <p:spPr>
           <a:xfrm flipH="1">
-            <a:off x="324448" y="1013635"/>
+            <a:off x="297365" y="1153560"/>
             <a:ext cx="3961057" cy="3983667"/>
           </a:xfrm>
           <a:prstGeom prst="rect">
@@ -9867,7 +11391,7 @@
                   <a:schemeClr val="accent2"/>
                 </a:solidFill>
                 <a:effectLst/>
-                <a:latin typeface="+mn-lt"/>
+                <a:latin typeface="Exo 2" panose="020B0604020202020204" charset="0"/>
                 <a:ea typeface="Calibri" panose="020F0502020204030204" pitchFamily="34" charset="0"/>
                 <a:cs typeface="Times New Roman" panose="02020603050405020304" pitchFamily="18" charset="0"/>
               </a:rPr>
@@ -9878,7 +11402,7 @@
                 <a:schemeClr val="accent2"/>
               </a:solidFill>
               <a:effectLst/>
-              <a:latin typeface="+mn-lt"/>
+              <a:latin typeface="Exo 2" panose="020B0604020202020204" charset="0"/>
               <a:ea typeface="Calibri" panose="020F0502020204030204" pitchFamily="34" charset="0"/>
               <a:cs typeface="David" panose="020E0502060401010101" pitchFamily="34" charset="-79"/>
             </a:endParaRPr>
@@ -9899,7 +11423,7 @@
               <a:solidFill>
                 <a:schemeClr val="accent2"/>
               </a:solidFill>
-              <a:latin typeface="+mn-lt"/>
+              <a:latin typeface="Exo 2" panose="020B0604020202020204" charset="0"/>
             </a:endParaRPr>
           </a:p>
         </p:txBody>
